--- a/assets/pptx/diagrams.pptx
+++ b/assets/pptx/diagrams.pptx
@@ -104,6 +104,11 @@
       </a:defRPr>
     </a:lvl9pPr>
   </p:defaultTextStyle>
+  <p:extLst>
+    <p:ext uri="{EFAFB233-063F-42B5-8137-9DF3F51BA10A}">
+      <p15:sldGuideLst xmlns:p15="http://schemas.microsoft.com/office/powerpoint/2012/main"/>
+    </p:ext>
+  </p:extLst>
 </p:presentation>
 </file>
 
@@ -238,7 +243,7 @@
           <a:p>
             <a:fld id="{C83CEA97-2613-47C8-A44B-BC8CE03E7D4E}" type="datetimeFigureOut">
               <a:rPr lang="ko-KR" altLang="en-US" smtClean="0"/>
-              <a:t>2021-02-13</a:t>
+              <a:t>2021-02-14</a:t>
             </a:fld>
             <a:endParaRPr lang="ko-KR" altLang="en-US"/>
           </a:p>
@@ -408,7 +413,7 @@
           <a:p>
             <a:fld id="{C83CEA97-2613-47C8-A44B-BC8CE03E7D4E}" type="datetimeFigureOut">
               <a:rPr lang="ko-KR" altLang="en-US" smtClean="0"/>
-              <a:t>2021-02-13</a:t>
+              <a:t>2021-02-14</a:t>
             </a:fld>
             <a:endParaRPr lang="ko-KR" altLang="en-US"/>
           </a:p>
@@ -588,7 +593,7 @@
           <a:p>
             <a:fld id="{C83CEA97-2613-47C8-A44B-BC8CE03E7D4E}" type="datetimeFigureOut">
               <a:rPr lang="ko-KR" altLang="en-US" smtClean="0"/>
-              <a:t>2021-02-13</a:t>
+              <a:t>2021-02-14</a:t>
             </a:fld>
             <a:endParaRPr lang="ko-KR" altLang="en-US"/>
           </a:p>
@@ -758,7 +763,7 @@
           <a:p>
             <a:fld id="{C83CEA97-2613-47C8-A44B-BC8CE03E7D4E}" type="datetimeFigureOut">
               <a:rPr lang="ko-KR" altLang="en-US" smtClean="0"/>
-              <a:t>2021-02-13</a:t>
+              <a:t>2021-02-14</a:t>
             </a:fld>
             <a:endParaRPr lang="ko-KR" altLang="en-US"/>
           </a:p>
@@ -1004,7 +1009,7 @@
           <a:p>
             <a:fld id="{C83CEA97-2613-47C8-A44B-BC8CE03E7D4E}" type="datetimeFigureOut">
               <a:rPr lang="ko-KR" altLang="en-US" smtClean="0"/>
-              <a:t>2021-02-13</a:t>
+              <a:t>2021-02-14</a:t>
             </a:fld>
             <a:endParaRPr lang="ko-KR" altLang="en-US"/>
           </a:p>
@@ -1236,7 +1241,7 @@
           <a:p>
             <a:fld id="{C83CEA97-2613-47C8-A44B-BC8CE03E7D4E}" type="datetimeFigureOut">
               <a:rPr lang="ko-KR" altLang="en-US" smtClean="0"/>
-              <a:t>2021-02-13</a:t>
+              <a:t>2021-02-14</a:t>
             </a:fld>
             <a:endParaRPr lang="ko-KR" altLang="en-US"/>
           </a:p>
@@ -1603,7 +1608,7 @@
           <a:p>
             <a:fld id="{C83CEA97-2613-47C8-A44B-BC8CE03E7D4E}" type="datetimeFigureOut">
               <a:rPr lang="ko-KR" altLang="en-US" smtClean="0"/>
-              <a:t>2021-02-13</a:t>
+              <a:t>2021-02-14</a:t>
             </a:fld>
             <a:endParaRPr lang="ko-KR" altLang="en-US"/>
           </a:p>
@@ -1721,7 +1726,7 @@
           <a:p>
             <a:fld id="{C83CEA97-2613-47C8-A44B-BC8CE03E7D4E}" type="datetimeFigureOut">
               <a:rPr lang="ko-KR" altLang="en-US" smtClean="0"/>
-              <a:t>2021-02-13</a:t>
+              <a:t>2021-02-14</a:t>
             </a:fld>
             <a:endParaRPr lang="ko-KR" altLang="en-US"/>
           </a:p>
@@ -1816,7 +1821,7 @@
           <a:p>
             <a:fld id="{C83CEA97-2613-47C8-A44B-BC8CE03E7D4E}" type="datetimeFigureOut">
               <a:rPr lang="ko-KR" altLang="en-US" smtClean="0"/>
-              <a:t>2021-02-13</a:t>
+              <a:t>2021-02-14</a:t>
             </a:fld>
             <a:endParaRPr lang="ko-KR" altLang="en-US"/>
           </a:p>
@@ -2093,7 +2098,7 @@
           <a:p>
             <a:fld id="{C83CEA97-2613-47C8-A44B-BC8CE03E7D4E}" type="datetimeFigureOut">
               <a:rPr lang="ko-KR" altLang="en-US" smtClean="0"/>
-              <a:t>2021-02-13</a:t>
+              <a:t>2021-02-14</a:t>
             </a:fld>
             <a:endParaRPr lang="ko-KR" altLang="en-US"/>
           </a:p>
@@ -2350,7 +2355,7 @@
           <a:p>
             <a:fld id="{C83CEA97-2613-47C8-A44B-BC8CE03E7D4E}" type="datetimeFigureOut">
               <a:rPr lang="ko-KR" altLang="en-US" smtClean="0"/>
-              <a:t>2021-02-13</a:t>
+              <a:t>2021-02-14</a:t>
             </a:fld>
             <a:endParaRPr lang="ko-KR" altLang="en-US"/>
           </a:p>
@@ -2563,7 +2568,7 @@
           <a:p>
             <a:fld id="{C83CEA97-2613-47C8-A44B-BC8CE03E7D4E}" type="datetimeFigureOut">
               <a:rPr lang="ko-KR" altLang="en-US" smtClean="0"/>
-              <a:t>2021-02-13</a:t>
+              <a:t>2021-02-14</a:t>
             </a:fld>
             <a:endParaRPr lang="ko-KR" altLang="en-US"/>
           </a:p>
@@ -4626,7 +4631,7 @@
           <p:nvPr>
             <p:extLst>
               <p:ext uri="{D42A27DB-BD31-4B8C-83A1-F6EECF244321}">
-                <p14:modId xmlns:p14="http://schemas.microsoft.com/office/powerpoint/2010/main" val="1355745321"/>
+                <p14:modId xmlns:p14="http://schemas.microsoft.com/office/powerpoint/2010/main" val="43350915"/>
               </p:ext>
             </p:extLst>
           </p:nvPr>
@@ -5753,7 +5758,7 @@
                 <a:latin typeface="나눔고딕" panose="020D0604000000000000" pitchFamily="50" charset="-127"/>
                 <a:ea typeface="나눔고딕" panose="020D0604000000000000" pitchFamily="50" charset="-127"/>
               </a:rPr>
-              <a:t>alpha</a:t>
+              <a:t>int alpha</a:t>
             </a:r>
           </a:p>
           <a:p>
@@ -6920,7 +6925,7 @@
                 <a:latin typeface="나눔고딕" panose="020D0604000000000000" pitchFamily="50" charset="-127"/>
                 <a:ea typeface="나눔고딕" panose="020D0604000000000000" pitchFamily="50" charset="-127"/>
               </a:rPr>
-              <a:t>alpha</a:t>
+              <a:t>int alpha</a:t>
             </a:r>
           </a:p>
           <a:p>
@@ -7003,7 +7008,7 @@
                 <a:latin typeface="나눔고딕" panose="020D0604000000000000" pitchFamily="50" charset="-127"/>
                 <a:ea typeface="나눔고딕" panose="020D0604000000000000" pitchFamily="50" charset="-127"/>
               </a:rPr>
-              <a:t>beta</a:t>
+              <a:t>int beta</a:t>
             </a:r>
           </a:p>
           <a:p>
@@ -8585,7 +8590,7 @@
                 <a:latin typeface="나눔고딕" panose="020D0604000000000000" pitchFamily="50" charset="-127"/>
                 <a:ea typeface="나눔고딕" panose="020D0604000000000000" pitchFamily="50" charset="-127"/>
               </a:rPr>
-              <a:t>alpha</a:t>
+              <a:t>int alpha</a:t>
             </a:r>
           </a:p>
           <a:p>
@@ -8668,7 +8673,7 @@
                 <a:latin typeface="나눔고딕" panose="020D0604000000000000" pitchFamily="50" charset="-127"/>
                 <a:ea typeface="나눔고딕" panose="020D0604000000000000" pitchFamily="50" charset="-127"/>
               </a:rPr>
-              <a:t>beta</a:t>
+              <a:t>int beta</a:t>
             </a:r>
           </a:p>
           <a:p>
@@ -10070,7 +10075,7 @@
         </p:nvSpPr>
         <p:spPr>
           <a:xfrm>
-            <a:off x="12736772" y="8226995"/>
+            <a:off x="12744029" y="8212702"/>
             <a:ext cx="1483148" cy="2424721"/>
           </a:xfrm>
           <a:prstGeom prst="rect">
@@ -10114,7 +10119,7 @@
                 <a:latin typeface="나눔고딕" panose="020D0604000000000000" pitchFamily="50" charset="-127"/>
                 <a:ea typeface="나눔고딕" panose="020D0604000000000000" pitchFamily="50" charset="-127"/>
               </a:rPr>
-              <a:t>alpha</a:t>
+              <a:t>int alpha</a:t>
             </a:r>
           </a:p>
           <a:p>
@@ -10197,7 +10202,7 @@
                 <a:latin typeface="나눔고딕" panose="020D0604000000000000" pitchFamily="50" charset="-127"/>
                 <a:ea typeface="나눔고딕" panose="020D0604000000000000" pitchFamily="50" charset="-127"/>
               </a:rPr>
-              <a:t>beta</a:t>
+              <a:t>int beta</a:t>
             </a:r>
           </a:p>
           <a:p>

--- a/assets/pptx/diagrams.pptx
+++ b/assets/pptx/diagrams.pptx
@@ -5,7 +5,8 @@
     <p:sldMasterId id="2147483660" r:id="rId1"/>
   </p:sldMasterIdLst>
   <p:sldIdLst>
-    <p:sldId id="256" r:id="rId2"/>
+    <p:sldId id="257" r:id="rId2"/>
+    <p:sldId id="256" r:id="rId3"/>
   </p:sldIdLst>
   <p:sldSz cx="35999738" cy="20520025"/>
   <p:notesSz cx="6858000" cy="9144000"/>
@@ -2988,6 +2989,154 @@
         <p:spPr>
           <a:xfrm>
             <a:off x="2822777" y="6419817"/>
+            <a:ext cx="3908222" cy="2381283"/>
+          </a:xfrm>
+          <a:prstGeom prst="rect">
+            <a:avLst/>
+          </a:prstGeom>
+          <a:solidFill>
+            <a:schemeClr val="bg1">
+              <a:lumMod val="95000"/>
+            </a:schemeClr>
+          </a:solidFill>
+          <a:ln>
+            <a:solidFill>
+              <a:schemeClr val="tx1"/>
+            </a:solidFill>
+          </a:ln>
+        </p:spPr>
+        <p:style>
+          <a:lnRef idx="2">
+            <a:schemeClr val="accent1">
+              <a:shade val="50000"/>
+            </a:schemeClr>
+          </a:lnRef>
+          <a:fillRef idx="1">
+            <a:schemeClr val="accent1"/>
+          </a:fillRef>
+          <a:effectRef idx="0">
+            <a:schemeClr val="accent1"/>
+          </a:effectRef>
+          <a:fontRef idx="minor">
+            <a:schemeClr val="lt1"/>
+          </a:fontRef>
+        </p:style>
+        <p:txBody>
+          <a:bodyPr rtlCol="0" anchor="ctr"/>
+          <a:lstStyle/>
+          <a:p>
+            <a:pPr algn="ctr"/>
+            <a:endParaRPr lang="ko-KR" altLang="en-US" sz="1799" dirty="0">
+              <a:highlight>
+                <a:srgbClr val="000000"/>
+              </a:highlight>
+              <a:latin typeface="나눔고딕" panose="020D0604000000000000" pitchFamily="50" charset="-127"/>
+              <a:ea typeface="나눔고딕" panose="020D0604000000000000" pitchFamily="50" charset="-127"/>
+            </a:endParaRPr>
+          </a:p>
+        </p:txBody>
+      </p:sp>
+      <p:sp>
+        <p:nvSpPr>
+          <p:cNvPr id="7" name="직사각형 6">
+            <a:extLst>
+              <a:ext uri="{FF2B5EF4-FFF2-40B4-BE49-F238E27FC236}">
+                <a16:creationId xmlns:a16="http://schemas.microsoft.com/office/drawing/2014/main" id="{F79B3B00-5EF1-4ABC-914D-46DCB9D80294}"/>
+              </a:ext>
+            </a:extLst>
+          </p:cNvPr>
+          <p:cNvSpPr/>
+          <p:nvPr/>
+        </p:nvSpPr>
+        <p:spPr>
+          <a:xfrm>
+            <a:off x="4838006" y="6019492"/>
+            <a:ext cx="1892993" cy="400327"/>
+          </a:xfrm>
+          <a:prstGeom prst="rect">
+            <a:avLst/>
+          </a:prstGeom>
+        </p:spPr>
+        <p:style>
+          <a:lnRef idx="2">
+            <a:schemeClr val="dk1">
+              <a:shade val="50000"/>
+            </a:schemeClr>
+          </a:lnRef>
+          <a:fillRef idx="1">
+            <a:schemeClr val="dk1"/>
+          </a:fillRef>
+          <a:effectRef idx="0">
+            <a:schemeClr val="dk1"/>
+          </a:effectRef>
+          <a:fontRef idx="minor">
+            <a:schemeClr val="lt1"/>
+          </a:fontRef>
+        </p:style>
+        <p:txBody>
+          <a:bodyPr rtlCol="0" anchor="ctr"/>
+          <a:lstStyle/>
+          <a:p>
+            <a:pPr algn="ctr"/>
+            <a:r>
+              <a:rPr lang="en-US" altLang="ko-KR" sz="1399" dirty="0">
+                <a:latin typeface="나눔고딕" panose="020D0604000000000000" pitchFamily="50" charset="-127"/>
+                <a:ea typeface="나눔고딕" panose="020D0604000000000000" pitchFamily="50" charset="-127"/>
+              </a:rPr>
+              <a:t>Vending Machine</a:t>
+            </a:r>
+            <a:endParaRPr lang="ko-KR" altLang="en-US" sz="1399" dirty="0">
+              <a:latin typeface="나눔고딕" panose="020D0604000000000000" pitchFamily="50" charset="-127"/>
+              <a:ea typeface="나눔고딕" panose="020D0604000000000000" pitchFamily="50" charset="-127"/>
+            </a:endParaRPr>
+          </a:p>
+        </p:txBody>
+      </p:sp>
+    </p:spTree>
+    <p:extLst>
+      <p:ext uri="{BB962C8B-B14F-4D97-AF65-F5344CB8AC3E}">
+        <p14:creationId xmlns:p14="http://schemas.microsoft.com/office/powerpoint/2010/main" val="2927353999"/>
+      </p:ext>
+    </p:extLst>
+  </p:cSld>
+  <p:clrMapOvr>
+    <a:masterClrMapping/>
+  </p:clrMapOvr>
+</p:sld>
+</file>
+
+<file path=ppt/slides/slide2.xml><?xml version="1.0" encoding="utf-8"?>
+<p:sld xmlns:a="http://schemas.openxmlformats.org/drawingml/2006/main" xmlns:r="http://schemas.openxmlformats.org/officeDocument/2006/relationships" xmlns:p="http://schemas.openxmlformats.org/presentationml/2006/main">
+  <p:cSld>
+    <p:spTree>
+      <p:nvGrpSpPr>
+        <p:cNvPr id="1" name=""/>
+        <p:cNvGrpSpPr/>
+        <p:nvPr/>
+      </p:nvGrpSpPr>
+      <p:grpSpPr>
+        <a:xfrm>
+          <a:off x="0" y="0"/>
+          <a:ext cx="0" cy="0"/>
+          <a:chOff x="0" y="0"/>
+          <a:chExt cx="0" cy="0"/>
+        </a:xfrm>
+      </p:grpSpPr>
+      <p:sp>
+        <p:nvSpPr>
+          <p:cNvPr id="4" name="직사각형 3">
+            <a:extLst>
+              <a:ext uri="{FF2B5EF4-FFF2-40B4-BE49-F238E27FC236}">
+                <a16:creationId xmlns:a16="http://schemas.microsoft.com/office/drawing/2014/main" id="{DD8F16C4-243E-4B11-A6CD-AEC3EC468968}"/>
+              </a:ext>
+            </a:extLst>
+          </p:cNvPr>
+          <p:cNvSpPr/>
+          <p:nvPr/>
+        </p:nvSpPr>
+        <p:spPr>
+          <a:xfrm>
+            <a:off x="2822777" y="6419817"/>
             <a:ext cx="3018407" cy="4217613"/>
           </a:xfrm>
           <a:prstGeom prst="rect">

--- a/assets/pptx/diagrams.pptx
+++ b/assets/pptx/diagrams.pptx
@@ -2,13 +2,16 @@
 <file path=ppt/presentation.xml><?xml version="1.0" encoding="utf-8"?>
 <p:presentation xmlns:a="http://schemas.openxmlformats.org/drawingml/2006/main" xmlns:r="http://schemas.openxmlformats.org/officeDocument/2006/relationships" xmlns:p="http://schemas.openxmlformats.org/presentationml/2006/main" saveSubsetFonts="1">
   <p:sldMasterIdLst>
-    <p:sldMasterId id="2147483660" r:id="rId1"/>
+    <p:sldMasterId id="2147483672" r:id="rId1"/>
   </p:sldMasterIdLst>
+  <p:notesMasterIdLst>
+    <p:notesMasterId r:id="rId4"/>
+  </p:notesMasterIdLst>
   <p:sldIdLst>
     <p:sldId id="257" r:id="rId2"/>
     <p:sldId id="256" r:id="rId3"/>
   </p:sldIdLst>
-  <p:sldSz cx="35999738" cy="20520025"/>
+  <p:sldSz cx="18000663" cy="10799763"/>
   <p:notesSz cx="6858000" cy="9144000"/>
   <p:defaultTextStyle>
     <a:defPPr>
@@ -113,6 +116,355 @@
 </p:presentation>
 </file>
 
+<file path=ppt/notesMasters/notesMaster1.xml><?xml version="1.0" encoding="utf-8"?>
+<p:notesMaster xmlns:a="http://schemas.openxmlformats.org/drawingml/2006/main" xmlns:r="http://schemas.openxmlformats.org/officeDocument/2006/relationships" xmlns:p="http://schemas.openxmlformats.org/presentationml/2006/main">
+  <p:cSld>
+    <p:bg>
+      <p:bgRef idx="1001">
+        <a:schemeClr val="bg1"/>
+      </p:bgRef>
+    </p:bg>
+    <p:spTree>
+      <p:nvGrpSpPr>
+        <p:cNvPr id="1" name=""/>
+        <p:cNvGrpSpPr/>
+        <p:nvPr/>
+      </p:nvGrpSpPr>
+      <p:grpSpPr>
+        <a:xfrm>
+          <a:off x="0" y="0"/>
+          <a:ext cx="0" cy="0"/>
+          <a:chOff x="0" y="0"/>
+          <a:chExt cx="0" cy="0"/>
+        </a:xfrm>
+      </p:grpSpPr>
+      <p:sp>
+        <p:nvSpPr>
+          <p:cNvPr id="2" name="머리글 개체 틀 1"/>
+          <p:cNvSpPr>
+            <a:spLocks noGrp="1"/>
+          </p:cNvSpPr>
+          <p:nvPr>
+            <p:ph type="hdr" sz="quarter"/>
+          </p:nvPr>
+        </p:nvSpPr>
+        <p:spPr>
+          <a:xfrm>
+            <a:off x="0" y="0"/>
+            <a:ext cx="2971800" cy="458788"/>
+          </a:xfrm>
+          <a:prstGeom prst="rect">
+            <a:avLst/>
+          </a:prstGeom>
+        </p:spPr>
+        <p:txBody>
+          <a:bodyPr vert="horz" lIns="91440" tIns="45720" rIns="91440" bIns="45720" rtlCol="0"/>
+          <a:lstStyle>
+            <a:lvl1pPr algn="l">
+              <a:defRPr sz="1200"/>
+            </a:lvl1pPr>
+          </a:lstStyle>
+          <a:p>
+            <a:endParaRPr lang="ko-KR" altLang="en-US"/>
+          </a:p>
+        </p:txBody>
+      </p:sp>
+      <p:sp>
+        <p:nvSpPr>
+          <p:cNvPr id="3" name="날짜 개체 틀 2"/>
+          <p:cNvSpPr>
+            <a:spLocks noGrp="1"/>
+          </p:cNvSpPr>
+          <p:nvPr>
+            <p:ph type="dt" idx="1"/>
+          </p:nvPr>
+        </p:nvSpPr>
+        <p:spPr>
+          <a:xfrm>
+            <a:off x="3884613" y="0"/>
+            <a:ext cx="2971800" cy="458788"/>
+          </a:xfrm>
+          <a:prstGeom prst="rect">
+            <a:avLst/>
+          </a:prstGeom>
+        </p:spPr>
+        <p:txBody>
+          <a:bodyPr vert="horz" lIns="91440" tIns="45720" rIns="91440" bIns="45720" rtlCol="0"/>
+          <a:lstStyle>
+            <a:lvl1pPr algn="r">
+              <a:defRPr sz="1200"/>
+            </a:lvl1pPr>
+          </a:lstStyle>
+          <a:p>
+            <a:fld id="{505DB204-9860-4269-88A9-B5437288D281}" type="datetimeFigureOut">
+              <a:rPr lang="ko-KR" altLang="en-US" smtClean="0"/>
+              <a:t>2021-02-24</a:t>
+            </a:fld>
+            <a:endParaRPr lang="ko-KR" altLang="en-US"/>
+          </a:p>
+        </p:txBody>
+      </p:sp>
+      <p:sp>
+        <p:nvSpPr>
+          <p:cNvPr id="4" name="슬라이드 이미지 개체 틀 3"/>
+          <p:cNvSpPr>
+            <a:spLocks noGrp="1" noRot="1" noChangeAspect="1"/>
+          </p:cNvSpPr>
+          <p:nvPr>
+            <p:ph type="sldImg" idx="2"/>
+          </p:nvPr>
+        </p:nvSpPr>
+        <p:spPr>
+          <a:xfrm>
+            <a:off x="857250" y="1143000"/>
+            <a:ext cx="5143500" cy="3086100"/>
+          </a:xfrm>
+          <a:prstGeom prst="rect">
+            <a:avLst/>
+          </a:prstGeom>
+          <a:noFill/>
+          <a:ln w="12700">
+            <a:solidFill>
+              <a:prstClr val="black"/>
+            </a:solidFill>
+          </a:ln>
+        </p:spPr>
+        <p:txBody>
+          <a:bodyPr vert="horz" lIns="91440" tIns="45720" rIns="91440" bIns="45720" rtlCol="0" anchor="ctr"/>
+          <a:lstStyle/>
+          <a:p>
+            <a:endParaRPr lang="ko-KR" altLang="en-US"/>
+          </a:p>
+        </p:txBody>
+      </p:sp>
+      <p:sp>
+        <p:nvSpPr>
+          <p:cNvPr id="5" name="슬라이드 노트 개체 틀 4"/>
+          <p:cNvSpPr>
+            <a:spLocks noGrp="1"/>
+          </p:cNvSpPr>
+          <p:nvPr>
+            <p:ph type="body" sz="quarter" idx="3"/>
+          </p:nvPr>
+        </p:nvSpPr>
+        <p:spPr>
+          <a:xfrm>
+            <a:off x="685800" y="4400550"/>
+            <a:ext cx="5486400" cy="3600450"/>
+          </a:xfrm>
+          <a:prstGeom prst="rect">
+            <a:avLst/>
+          </a:prstGeom>
+        </p:spPr>
+        <p:txBody>
+          <a:bodyPr vert="horz" lIns="91440" tIns="45720" rIns="91440" bIns="45720" rtlCol="0"/>
+          <a:lstStyle/>
+          <a:p>
+            <a:pPr lvl="0"/>
+            <a:r>
+              <a:rPr lang="ko-KR" altLang="en-US"/>
+              <a:t>마스터 텍스트 스타일을 편집하려면 클릭</a:t>
+            </a:r>
+          </a:p>
+          <a:p>
+            <a:pPr lvl="1"/>
+            <a:r>
+              <a:rPr lang="ko-KR" altLang="en-US"/>
+              <a:t>두 번째 수준</a:t>
+            </a:r>
+          </a:p>
+          <a:p>
+            <a:pPr lvl="2"/>
+            <a:r>
+              <a:rPr lang="ko-KR" altLang="en-US"/>
+              <a:t>세 번째 수준</a:t>
+            </a:r>
+          </a:p>
+          <a:p>
+            <a:pPr lvl="3"/>
+            <a:r>
+              <a:rPr lang="ko-KR" altLang="en-US"/>
+              <a:t>네 번째 수준</a:t>
+            </a:r>
+          </a:p>
+          <a:p>
+            <a:pPr lvl="4"/>
+            <a:r>
+              <a:rPr lang="ko-KR" altLang="en-US"/>
+              <a:t>다섯 번째 수준</a:t>
+            </a:r>
+          </a:p>
+        </p:txBody>
+      </p:sp>
+      <p:sp>
+        <p:nvSpPr>
+          <p:cNvPr id="6" name="바닥글 개체 틀 5"/>
+          <p:cNvSpPr>
+            <a:spLocks noGrp="1"/>
+          </p:cNvSpPr>
+          <p:nvPr>
+            <p:ph type="ftr" sz="quarter" idx="4"/>
+          </p:nvPr>
+        </p:nvSpPr>
+        <p:spPr>
+          <a:xfrm>
+            <a:off x="0" y="8685213"/>
+            <a:ext cx="2971800" cy="458787"/>
+          </a:xfrm>
+          <a:prstGeom prst="rect">
+            <a:avLst/>
+          </a:prstGeom>
+        </p:spPr>
+        <p:txBody>
+          <a:bodyPr vert="horz" lIns="91440" tIns="45720" rIns="91440" bIns="45720" rtlCol="0" anchor="b"/>
+          <a:lstStyle>
+            <a:lvl1pPr algn="l">
+              <a:defRPr sz="1200"/>
+            </a:lvl1pPr>
+          </a:lstStyle>
+          <a:p>
+            <a:endParaRPr lang="ko-KR" altLang="en-US"/>
+          </a:p>
+        </p:txBody>
+      </p:sp>
+      <p:sp>
+        <p:nvSpPr>
+          <p:cNvPr id="7" name="슬라이드 번호 개체 틀 6"/>
+          <p:cNvSpPr>
+            <a:spLocks noGrp="1"/>
+          </p:cNvSpPr>
+          <p:nvPr>
+            <p:ph type="sldNum" sz="quarter" idx="5"/>
+          </p:nvPr>
+        </p:nvSpPr>
+        <p:spPr>
+          <a:xfrm>
+            <a:off x="3884613" y="8685213"/>
+            <a:ext cx="2971800" cy="458787"/>
+          </a:xfrm>
+          <a:prstGeom prst="rect">
+            <a:avLst/>
+          </a:prstGeom>
+        </p:spPr>
+        <p:txBody>
+          <a:bodyPr vert="horz" lIns="91440" tIns="45720" rIns="91440" bIns="45720" rtlCol="0" anchor="b"/>
+          <a:lstStyle>
+            <a:lvl1pPr algn="r">
+              <a:defRPr sz="1200"/>
+            </a:lvl1pPr>
+          </a:lstStyle>
+          <a:p>
+            <a:fld id="{CBF955EF-733C-41CD-B32D-36BA3EC74925}" type="slidenum">
+              <a:rPr lang="ko-KR" altLang="en-US" smtClean="0"/>
+              <a:t>‹#›</a:t>
+            </a:fld>
+            <a:endParaRPr lang="ko-KR" altLang="en-US"/>
+          </a:p>
+        </p:txBody>
+      </p:sp>
+    </p:spTree>
+    <p:extLst>
+      <p:ext uri="{BB962C8B-B14F-4D97-AF65-F5344CB8AC3E}">
+        <p14:creationId xmlns:p14="http://schemas.microsoft.com/office/powerpoint/2010/main" val="3270983787"/>
+      </p:ext>
+    </p:extLst>
+  </p:cSld>
+  <p:clrMap bg1="lt1" tx1="dk1" bg2="lt2" tx2="dk2" accent1="accent1" accent2="accent2" accent3="accent3" accent4="accent4" accent5="accent5" accent6="accent6" hlink="hlink" folHlink="folHlink"/>
+  <p:notesStyle>
+    <a:lvl1pPr marL="0" algn="l" defTabSz="465814" rtl="0" eaLnBrk="1" latinLnBrk="1" hangingPunct="1">
+      <a:defRPr sz="611" kern="1200">
+        <a:solidFill>
+          <a:schemeClr val="tx1"/>
+        </a:solidFill>
+        <a:latin typeface="+mn-lt"/>
+        <a:ea typeface="+mn-ea"/>
+        <a:cs typeface="+mn-cs"/>
+      </a:defRPr>
+    </a:lvl1pPr>
+    <a:lvl2pPr marL="232906" algn="l" defTabSz="465814" rtl="0" eaLnBrk="1" latinLnBrk="1" hangingPunct="1">
+      <a:defRPr sz="611" kern="1200">
+        <a:solidFill>
+          <a:schemeClr val="tx1"/>
+        </a:solidFill>
+        <a:latin typeface="+mn-lt"/>
+        <a:ea typeface="+mn-ea"/>
+        <a:cs typeface="+mn-cs"/>
+      </a:defRPr>
+    </a:lvl2pPr>
+    <a:lvl3pPr marL="465814" algn="l" defTabSz="465814" rtl="0" eaLnBrk="1" latinLnBrk="1" hangingPunct="1">
+      <a:defRPr sz="611" kern="1200">
+        <a:solidFill>
+          <a:schemeClr val="tx1"/>
+        </a:solidFill>
+        <a:latin typeface="+mn-lt"/>
+        <a:ea typeface="+mn-ea"/>
+        <a:cs typeface="+mn-cs"/>
+      </a:defRPr>
+    </a:lvl3pPr>
+    <a:lvl4pPr marL="698720" algn="l" defTabSz="465814" rtl="0" eaLnBrk="1" latinLnBrk="1" hangingPunct="1">
+      <a:defRPr sz="611" kern="1200">
+        <a:solidFill>
+          <a:schemeClr val="tx1"/>
+        </a:solidFill>
+        <a:latin typeface="+mn-lt"/>
+        <a:ea typeface="+mn-ea"/>
+        <a:cs typeface="+mn-cs"/>
+      </a:defRPr>
+    </a:lvl4pPr>
+    <a:lvl5pPr marL="931627" algn="l" defTabSz="465814" rtl="0" eaLnBrk="1" latinLnBrk="1" hangingPunct="1">
+      <a:defRPr sz="611" kern="1200">
+        <a:solidFill>
+          <a:schemeClr val="tx1"/>
+        </a:solidFill>
+        <a:latin typeface="+mn-lt"/>
+        <a:ea typeface="+mn-ea"/>
+        <a:cs typeface="+mn-cs"/>
+      </a:defRPr>
+    </a:lvl5pPr>
+    <a:lvl6pPr marL="1164534" algn="l" defTabSz="465814" rtl="0" eaLnBrk="1" latinLnBrk="1" hangingPunct="1">
+      <a:defRPr sz="611" kern="1200">
+        <a:solidFill>
+          <a:schemeClr val="tx1"/>
+        </a:solidFill>
+        <a:latin typeface="+mn-lt"/>
+        <a:ea typeface="+mn-ea"/>
+        <a:cs typeface="+mn-cs"/>
+      </a:defRPr>
+    </a:lvl6pPr>
+    <a:lvl7pPr marL="1397440" algn="l" defTabSz="465814" rtl="0" eaLnBrk="1" latinLnBrk="1" hangingPunct="1">
+      <a:defRPr sz="611" kern="1200">
+        <a:solidFill>
+          <a:schemeClr val="tx1"/>
+        </a:solidFill>
+        <a:latin typeface="+mn-lt"/>
+        <a:ea typeface="+mn-ea"/>
+        <a:cs typeface="+mn-cs"/>
+      </a:defRPr>
+    </a:lvl7pPr>
+    <a:lvl8pPr marL="1630348" algn="l" defTabSz="465814" rtl="0" eaLnBrk="1" latinLnBrk="1" hangingPunct="1">
+      <a:defRPr sz="611" kern="1200">
+        <a:solidFill>
+          <a:schemeClr val="tx1"/>
+        </a:solidFill>
+        <a:latin typeface="+mn-lt"/>
+        <a:ea typeface="+mn-ea"/>
+        <a:cs typeface="+mn-cs"/>
+      </a:defRPr>
+    </a:lvl8pPr>
+    <a:lvl9pPr marL="1863254" algn="l" defTabSz="465814" rtl="0" eaLnBrk="1" latinLnBrk="1" hangingPunct="1">
+      <a:defRPr sz="611" kern="1200">
+        <a:solidFill>
+          <a:schemeClr val="tx1"/>
+        </a:solidFill>
+        <a:latin typeface="+mn-lt"/>
+        <a:ea typeface="+mn-ea"/>
+        <a:cs typeface="+mn-cs"/>
+      </a:defRPr>
+    </a:lvl9pPr>
+  </p:notesStyle>
+</p:notesMaster>
+</file>
+
 <file path=ppt/slideLayouts/slideLayout1.xml><?xml version="1.0" encoding="utf-8"?>
 <p:sldLayout xmlns:a="http://schemas.openxmlformats.org/drawingml/2006/main" xmlns:r="http://schemas.openxmlformats.org/officeDocument/2006/relationships" xmlns:p="http://schemas.openxmlformats.org/presentationml/2006/main" type="title" preserve="1">
   <p:cSld name="제목 슬라이드">
@@ -142,15 +494,15 @@
         </p:nvSpPr>
         <p:spPr>
           <a:xfrm>
-            <a:off x="4499967" y="3358255"/>
-            <a:ext cx="26999804" cy="7144009"/>
+            <a:off x="2250083" y="1767462"/>
+            <a:ext cx="13500497" cy="3759917"/>
           </a:xfrm>
         </p:spPr>
         <p:txBody>
           <a:bodyPr anchor="b"/>
           <a:lstStyle>
             <a:lvl1pPr algn="ctr">
-              <a:defRPr sz="17716"/>
+              <a:defRPr sz="8858"/>
             </a:lvl1pPr>
           </a:lstStyle>
           <a:p>
@@ -174,8 +526,8 @@
         </p:nvSpPr>
         <p:spPr>
           <a:xfrm>
-            <a:off x="4499967" y="10777764"/>
-            <a:ext cx="26999804" cy="4954255"/>
+            <a:off x="2250083" y="5672376"/>
+            <a:ext cx="13500497" cy="2607442"/>
           </a:xfrm>
         </p:spPr>
         <p:txBody>
@@ -183,39 +535,39 @@
           <a:lstStyle>
             <a:lvl1pPr marL="0" indent="0" algn="ctr">
               <a:buNone/>
-              <a:defRPr sz="7086"/>
+              <a:defRPr sz="3543"/>
             </a:lvl1pPr>
-            <a:lvl2pPr marL="1349974" indent="0" algn="ctr">
+            <a:lvl2pPr marL="675010" indent="0" algn="ctr">
               <a:buNone/>
-              <a:defRPr sz="5905"/>
+              <a:defRPr sz="2953"/>
             </a:lvl2pPr>
-            <a:lvl3pPr marL="2699949" indent="0" algn="ctr">
+            <a:lvl3pPr marL="1350020" indent="0" algn="ctr">
               <a:buNone/>
-              <a:defRPr sz="5315"/>
+              <a:defRPr sz="2658"/>
             </a:lvl3pPr>
-            <a:lvl4pPr marL="4049923" indent="0" algn="ctr">
+            <a:lvl4pPr marL="2025030" indent="0" algn="ctr">
               <a:buNone/>
-              <a:defRPr sz="4724"/>
+              <a:defRPr sz="2362"/>
             </a:lvl4pPr>
-            <a:lvl5pPr marL="5399898" indent="0" algn="ctr">
+            <a:lvl5pPr marL="2700040" indent="0" algn="ctr">
               <a:buNone/>
-              <a:defRPr sz="4724"/>
+              <a:defRPr sz="2362"/>
             </a:lvl5pPr>
-            <a:lvl6pPr marL="6749872" indent="0" algn="ctr">
+            <a:lvl6pPr marL="3375050" indent="0" algn="ctr">
               <a:buNone/>
-              <a:defRPr sz="4724"/>
+              <a:defRPr sz="2362"/>
             </a:lvl6pPr>
-            <a:lvl7pPr marL="8099847" indent="0" algn="ctr">
+            <a:lvl7pPr marL="4050060" indent="0" algn="ctr">
               <a:buNone/>
-              <a:defRPr sz="4724"/>
+              <a:defRPr sz="2362"/>
             </a:lvl7pPr>
-            <a:lvl8pPr marL="9449821" indent="0" algn="ctr">
+            <a:lvl8pPr marL="4725071" indent="0" algn="ctr">
               <a:buNone/>
-              <a:defRPr sz="4724"/>
+              <a:defRPr sz="2362"/>
             </a:lvl8pPr>
-            <a:lvl9pPr marL="10799796" indent="0" algn="ctr">
+            <a:lvl9pPr marL="5400081" indent="0" algn="ctr">
               <a:buNone/>
-              <a:defRPr sz="4724"/>
+              <a:defRPr sz="2362"/>
             </a:lvl9pPr>
           </a:lstStyle>
           <a:p>
@@ -244,7 +596,7 @@
           <a:p>
             <a:fld id="{C83CEA97-2613-47C8-A44B-BC8CE03E7D4E}" type="datetimeFigureOut">
               <a:rPr lang="ko-KR" altLang="en-US" smtClean="0"/>
-              <a:t>2021-02-14</a:t>
+              <a:t>2021-02-24</a:t>
             </a:fld>
             <a:endParaRPr lang="ko-KR" altLang="en-US"/>
           </a:p>
@@ -295,7 +647,7 @@
     </p:spTree>
     <p:extLst>
       <p:ext uri="{BB962C8B-B14F-4D97-AF65-F5344CB8AC3E}">
-        <p14:creationId xmlns:p14="http://schemas.microsoft.com/office/powerpoint/2010/main" val="2234457838"/>
+        <p14:creationId xmlns:p14="http://schemas.microsoft.com/office/powerpoint/2010/main" val="3859718343"/>
       </p:ext>
     </p:extLst>
   </p:cSld>
@@ -414,7 +766,7 @@
           <a:p>
             <a:fld id="{C83CEA97-2613-47C8-A44B-BC8CE03E7D4E}" type="datetimeFigureOut">
               <a:rPr lang="ko-KR" altLang="en-US" smtClean="0"/>
-              <a:t>2021-02-14</a:t>
+              <a:t>2021-02-24</a:t>
             </a:fld>
             <a:endParaRPr lang="ko-KR" altLang="en-US"/>
           </a:p>
@@ -465,7 +817,7 @@
     </p:spTree>
     <p:extLst>
       <p:ext uri="{BB962C8B-B14F-4D97-AF65-F5344CB8AC3E}">
-        <p14:creationId xmlns:p14="http://schemas.microsoft.com/office/powerpoint/2010/main" val="653291375"/>
+        <p14:creationId xmlns:p14="http://schemas.microsoft.com/office/powerpoint/2010/main" val="3057246797"/>
       </p:ext>
     </p:extLst>
   </p:cSld>
@@ -504,8 +856,8 @@
         </p:nvSpPr>
         <p:spPr>
           <a:xfrm>
-            <a:off x="25762312" y="1092501"/>
-            <a:ext cx="7762444" cy="17389773"/>
+            <a:off x="12881724" y="574987"/>
+            <a:ext cx="3881393" cy="9152300"/>
           </a:xfrm>
         </p:spPr>
         <p:txBody>
@@ -532,8 +884,8 @@
         </p:nvSpPr>
         <p:spPr>
           <a:xfrm>
-            <a:off x="2474982" y="1092501"/>
-            <a:ext cx="22837334" cy="17389773"/>
+            <a:off x="1237545" y="574987"/>
+            <a:ext cx="11419171" cy="9152300"/>
           </a:xfrm>
         </p:spPr>
         <p:txBody>
@@ -594,7 +946,7 @@
           <a:p>
             <a:fld id="{C83CEA97-2613-47C8-A44B-BC8CE03E7D4E}" type="datetimeFigureOut">
               <a:rPr lang="ko-KR" altLang="en-US" smtClean="0"/>
-              <a:t>2021-02-14</a:t>
+              <a:t>2021-02-24</a:t>
             </a:fld>
             <a:endParaRPr lang="ko-KR" altLang="en-US"/>
           </a:p>
@@ -645,7 +997,7 @@
     </p:spTree>
     <p:extLst>
       <p:ext uri="{BB962C8B-B14F-4D97-AF65-F5344CB8AC3E}">
-        <p14:creationId xmlns:p14="http://schemas.microsoft.com/office/powerpoint/2010/main" val="2044656694"/>
+        <p14:creationId xmlns:p14="http://schemas.microsoft.com/office/powerpoint/2010/main" val="1263826315"/>
       </p:ext>
     </p:extLst>
   </p:cSld>
@@ -764,7 +1116,7 @@
           <a:p>
             <a:fld id="{C83CEA97-2613-47C8-A44B-BC8CE03E7D4E}" type="datetimeFigureOut">
               <a:rPr lang="ko-KR" altLang="en-US" smtClean="0"/>
-              <a:t>2021-02-14</a:t>
+              <a:t>2021-02-24</a:t>
             </a:fld>
             <a:endParaRPr lang="ko-KR" altLang="en-US"/>
           </a:p>
@@ -815,7 +1167,7 @@
     </p:spTree>
     <p:extLst>
       <p:ext uri="{BB962C8B-B14F-4D97-AF65-F5344CB8AC3E}">
-        <p14:creationId xmlns:p14="http://schemas.microsoft.com/office/powerpoint/2010/main" val="2240918708"/>
+        <p14:creationId xmlns:p14="http://schemas.microsoft.com/office/powerpoint/2010/main" val="125872954"/>
       </p:ext>
     </p:extLst>
   </p:cSld>
@@ -854,15 +1206,15 @@
         </p:nvSpPr>
         <p:spPr>
           <a:xfrm>
-            <a:off x="2456232" y="5115759"/>
-            <a:ext cx="31049774" cy="8535759"/>
+            <a:off x="1228170" y="2692442"/>
+            <a:ext cx="15525572" cy="4492401"/>
           </a:xfrm>
         </p:spPr>
         <p:txBody>
           <a:bodyPr anchor="b"/>
           <a:lstStyle>
             <a:lvl1pPr>
-              <a:defRPr sz="17716"/>
+              <a:defRPr sz="8858"/>
             </a:lvl1pPr>
           </a:lstStyle>
           <a:p>
@@ -886,8 +1238,8 @@
         </p:nvSpPr>
         <p:spPr>
           <a:xfrm>
-            <a:off x="2456232" y="13732270"/>
-            <a:ext cx="31049774" cy="4488754"/>
+            <a:off x="1228170" y="7227343"/>
+            <a:ext cx="15525572" cy="2362447"/>
           </a:xfrm>
         </p:spPr>
         <p:txBody>
@@ -895,7 +1247,7 @@
           <a:lstStyle>
             <a:lvl1pPr marL="0" indent="0">
               <a:buNone/>
-              <a:defRPr sz="7086">
+              <a:defRPr sz="3543">
                 <a:solidFill>
                   <a:schemeClr val="tx1">
                     <a:tint val="75000"/>
@@ -903,9 +1255,9 @@
                 </a:solidFill>
               </a:defRPr>
             </a:lvl1pPr>
-            <a:lvl2pPr marL="1349974" indent="0">
+            <a:lvl2pPr marL="675010" indent="0">
               <a:buNone/>
-              <a:defRPr sz="5905">
+              <a:defRPr sz="2953">
                 <a:solidFill>
                   <a:schemeClr val="tx1">
                     <a:tint val="75000"/>
@@ -913,9 +1265,9 @@
                 </a:solidFill>
               </a:defRPr>
             </a:lvl2pPr>
-            <a:lvl3pPr marL="2699949" indent="0">
+            <a:lvl3pPr marL="1350020" indent="0">
               <a:buNone/>
-              <a:defRPr sz="5315">
+              <a:defRPr sz="2658">
                 <a:solidFill>
                   <a:schemeClr val="tx1">
                     <a:tint val="75000"/>
@@ -923,9 +1275,9 @@
                 </a:solidFill>
               </a:defRPr>
             </a:lvl3pPr>
-            <a:lvl4pPr marL="4049923" indent="0">
+            <a:lvl4pPr marL="2025030" indent="0">
               <a:buNone/>
-              <a:defRPr sz="4724">
+              <a:defRPr sz="2362">
                 <a:solidFill>
                   <a:schemeClr val="tx1">
                     <a:tint val="75000"/>
@@ -933,9 +1285,9 @@
                 </a:solidFill>
               </a:defRPr>
             </a:lvl4pPr>
-            <a:lvl5pPr marL="5399898" indent="0">
+            <a:lvl5pPr marL="2700040" indent="0">
               <a:buNone/>
-              <a:defRPr sz="4724">
+              <a:defRPr sz="2362">
                 <a:solidFill>
                   <a:schemeClr val="tx1">
                     <a:tint val="75000"/>
@@ -943,9 +1295,9 @@
                 </a:solidFill>
               </a:defRPr>
             </a:lvl5pPr>
-            <a:lvl6pPr marL="6749872" indent="0">
+            <a:lvl6pPr marL="3375050" indent="0">
               <a:buNone/>
-              <a:defRPr sz="4724">
+              <a:defRPr sz="2362">
                 <a:solidFill>
                   <a:schemeClr val="tx1">
                     <a:tint val="75000"/>
@@ -953,9 +1305,9 @@
                 </a:solidFill>
               </a:defRPr>
             </a:lvl6pPr>
-            <a:lvl7pPr marL="8099847" indent="0">
+            <a:lvl7pPr marL="4050060" indent="0">
               <a:buNone/>
-              <a:defRPr sz="4724">
+              <a:defRPr sz="2362">
                 <a:solidFill>
                   <a:schemeClr val="tx1">
                     <a:tint val="75000"/>
@@ -963,9 +1315,9 @@
                 </a:solidFill>
               </a:defRPr>
             </a:lvl7pPr>
-            <a:lvl8pPr marL="9449821" indent="0">
+            <a:lvl8pPr marL="4725071" indent="0">
               <a:buNone/>
-              <a:defRPr sz="4724">
+              <a:defRPr sz="2362">
                 <a:solidFill>
                   <a:schemeClr val="tx1">
                     <a:tint val="75000"/>
@@ -973,9 +1325,9 @@
                 </a:solidFill>
               </a:defRPr>
             </a:lvl8pPr>
-            <a:lvl9pPr marL="10799796" indent="0">
+            <a:lvl9pPr marL="5400081" indent="0">
               <a:buNone/>
-              <a:defRPr sz="4724">
+              <a:defRPr sz="2362">
                 <a:solidFill>
                   <a:schemeClr val="tx1">
                     <a:tint val="75000"/>
@@ -1010,7 +1362,7 @@
           <a:p>
             <a:fld id="{C83CEA97-2613-47C8-A44B-BC8CE03E7D4E}" type="datetimeFigureOut">
               <a:rPr lang="ko-KR" altLang="en-US" smtClean="0"/>
-              <a:t>2021-02-14</a:t>
+              <a:t>2021-02-24</a:t>
             </a:fld>
             <a:endParaRPr lang="ko-KR" altLang="en-US"/>
           </a:p>
@@ -1061,7 +1413,7 @@
     </p:spTree>
     <p:extLst>
       <p:ext uri="{BB962C8B-B14F-4D97-AF65-F5344CB8AC3E}">
-        <p14:creationId xmlns:p14="http://schemas.microsoft.com/office/powerpoint/2010/main" val="729232478"/>
+        <p14:creationId xmlns:p14="http://schemas.microsoft.com/office/powerpoint/2010/main" val="4083987076"/>
       </p:ext>
     </p:extLst>
   </p:cSld>
@@ -1123,8 +1475,8 @@
         </p:nvSpPr>
         <p:spPr>
           <a:xfrm>
-            <a:off x="2474982" y="5462507"/>
-            <a:ext cx="15299889" cy="13019767"/>
+            <a:off x="1237545" y="2874937"/>
+            <a:ext cx="7650282" cy="6852350"/>
           </a:xfrm>
         </p:spPr>
         <p:txBody>
@@ -1180,8 +1532,8 @@
         </p:nvSpPr>
         <p:spPr>
           <a:xfrm>
-            <a:off x="18224867" y="5462507"/>
-            <a:ext cx="15299889" cy="13019767"/>
+            <a:off x="9112836" y="2874937"/>
+            <a:ext cx="7650282" cy="6852350"/>
           </a:xfrm>
         </p:spPr>
         <p:txBody>
@@ -1242,7 +1594,7 @@
           <a:p>
             <a:fld id="{C83CEA97-2613-47C8-A44B-BC8CE03E7D4E}" type="datetimeFigureOut">
               <a:rPr lang="ko-KR" altLang="en-US" smtClean="0"/>
-              <a:t>2021-02-14</a:t>
+              <a:t>2021-02-24</a:t>
             </a:fld>
             <a:endParaRPr lang="ko-KR" altLang="en-US"/>
           </a:p>
@@ -1293,7 +1645,7 @@
     </p:spTree>
     <p:extLst>
       <p:ext uri="{BB962C8B-B14F-4D97-AF65-F5344CB8AC3E}">
-        <p14:creationId xmlns:p14="http://schemas.microsoft.com/office/powerpoint/2010/main" val="2391895629"/>
+        <p14:creationId xmlns:p14="http://schemas.microsoft.com/office/powerpoint/2010/main" val="1277962129"/>
       </p:ext>
     </p:extLst>
   </p:cSld>
@@ -1332,8 +1684,8 @@
         </p:nvSpPr>
         <p:spPr>
           <a:xfrm>
-            <a:off x="2479671" y="1092503"/>
-            <a:ext cx="31049774" cy="3966256"/>
+            <a:off x="1239890" y="574988"/>
+            <a:ext cx="15525572" cy="2087455"/>
           </a:xfrm>
         </p:spPr>
         <p:txBody>
@@ -1360,8 +1712,8 @@
         </p:nvSpPr>
         <p:spPr>
           <a:xfrm>
-            <a:off x="2479672" y="5030257"/>
-            <a:ext cx="15229575" cy="2465252"/>
+            <a:off x="1239891" y="2647443"/>
+            <a:ext cx="7615123" cy="1297471"/>
           </a:xfrm>
         </p:spPr>
         <p:txBody>
@@ -1369,39 +1721,39 @@
           <a:lstStyle>
             <a:lvl1pPr marL="0" indent="0">
               <a:buNone/>
-              <a:defRPr sz="7086" b="1"/>
+              <a:defRPr sz="3543" b="1"/>
             </a:lvl1pPr>
-            <a:lvl2pPr marL="1349974" indent="0">
+            <a:lvl2pPr marL="675010" indent="0">
               <a:buNone/>
-              <a:defRPr sz="5905" b="1"/>
+              <a:defRPr sz="2953" b="1"/>
             </a:lvl2pPr>
-            <a:lvl3pPr marL="2699949" indent="0">
+            <a:lvl3pPr marL="1350020" indent="0">
               <a:buNone/>
-              <a:defRPr sz="5315" b="1"/>
+              <a:defRPr sz="2658" b="1"/>
             </a:lvl3pPr>
-            <a:lvl4pPr marL="4049923" indent="0">
+            <a:lvl4pPr marL="2025030" indent="0">
               <a:buNone/>
-              <a:defRPr sz="4724" b="1"/>
+              <a:defRPr sz="2362" b="1"/>
             </a:lvl4pPr>
-            <a:lvl5pPr marL="5399898" indent="0">
+            <a:lvl5pPr marL="2700040" indent="0">
               <a:buNone/>
-              <a:defRPr sz="4724" b="1"/>
+              <a:defRPr sz="2362" b="1"/>
             </a:lvl5pPr>
-            <a:lvl6pPr marL="6749872" indent="0">
+            <a:lvl6pPr marL="3375050" indent="0">
               <a:buNone/>
-              <a:defRPr sz="4724" b="1"/>
+              <a:defRPr sz="2362" b="1"/>
             </a:lvl6pPr>
-            <a:lvl7pPr marL="8099847" indent="0">
+            <a:lvl7pPr marL="4050060" indent="0">
               <a:buNone/>
-              <a:defRPr sz="4724" b="1"/>
+              <a:defRPr sz="2362" b="1"/>
             </a:lvl7pPr>
-            <a:lvl8pPr marL="9449821" indent="0">
+            <a:lvl8pPr marL="4725071" indent="0">
               <a:buNone/>
-              <a:defRPr sz="4724" b="1"/>
+              <a:defRPr sz="2362" b="1"/>
             </a:lvl8pPr>
-            <a:lvl9pPr marL="10799796" indent="0">
+            <a:lvl9pPr marL="5400081" indent="0">
               <a:buNone/>
-              <a:defRPr sz="4724" b="1"/>
+              <a:defRPr sz="2362" b="1"/>
             </a:lvl9pPr>
           </a:lstStyle>
           <a:p>
@@ -1425,8 +1777,8 @@
         </p:nvSpPr>
         <p:spPr>
           <a:xfrm>
-            <a:off x="2479672" y="7495509"/>
-            <a:ext cx="15229575" cy="11024765"/>
+            <a:off x="1239891" y="3944914"/>
+            <a:ext cx="7615123" cy="5802373"/>
           </a:xfrm>
         </p:spPr>
         <p:txBody>
@@ -1482,8 +1834,8 @@
         </p:nvSpPr>
         <p:spPr>
           <a:xfrm>
-            <a:off x="18224867" y="5030257"/>
-            <a:ext cx="15304578" cy="2465252"/>
+            <a:off x="9112836" y="2647443"/>
+            <a:ext cx="7652626" cy="1297471"/>
           </a:xfrm>
         </p:spPr>
         <p:txBody>
@@ -1491,39 +1843,39 @@
           <a:lstStyle>
             <a:lvl1pPr marL="0" indent="0">
               <a:buNone/>
-              <a:defRPr sz="7086" b="1"/>
+              <a:defRPr sz="3543" b="1"/>
             </a:lvl1pPr>
-            <a:lvl2pPr marL="1349974" indent="0">
+            <a:lvl2pPr marL="675010" indent="0">
               <a:buNone/>
-              <a:defRPr sz="5905" b="1"/>
+              <a:defRPr sz="2953" b="1"/>
             </a:lvl2pPr>
-            <a:lvl3pPr marL="2699949" indent="0">
+            <a:lvl3pPr marL="1350020" indent="0">
               <a:buNone/>
-              <a:defRPr sz="5315" b="1"/>
+              <a:defRPr sz="2658" b="1"/>
             </a:lvl3pPr>
-            <a:lvl4pPr marL="4049923" indent="0">
+            <a:lvl4pPr marL="2025030" indent="0">
               <a:buNone/>
-              <a:defRPr sz="4724" b="1"/>
+              <a:defRPr sz="2362" b="1"/>
             </a:lvl4pPr>
-            <a:lvl5pPr marL="5399898" indent="0">
+            <a:lvl5pPr marL="2700040" indent="0">
               <a:buNone/>
-              <a:defRPr sz="4724" b="1"/>
+              <a:defRPr sz="2362" b="1"/>
             </a:lvl5pPr>
-            <a:lvl6pPr marL="6749872" indent="0">
+            <a:lvl6pPr marL="3375050" indent="0">
               <a:buNone/>
-              <a:defRPr sz="4724" b="1"/>
+              <a:defRPr sz="2362" b="1"/>
             </a:lvl6pPr>
-            <a:lvl7pPr marL="8099847" indent="0">
+            <a:lvl7pPr marL="4050060" indent="0">
               <a:buNone/>
-              <a:defRPr sz="4724" b="1"/>
+              <a:defRPr sz="2362" b="1"/>
             </a:lvl7pPr>
-            <a:lvl8pPr marL="9449821" indent="0">
+            <a:lvl8pPr marL="4725071" indent="0">
               <a:buNone/>
-              <a:defRPr sz="4724" b="1"/>
+              <a:defRPr sz="2362" b="1"/>
             </a:lvl8pPr>
-            <a:lvl9pPr marL="10799796" indent="0">
+            <a:lvl9pPr marL="5400081" indent="0">
               <a:buNone/>
-              <a:defRPr sz="4724" b="1"/>
+              <a:defRPr sz="2362" b="1"/>
             </a:lvl9pPr>
           </a:lstStyle>
           <a:p>
@@ -1547,8 +1899,8 @@
         </p:nvSpPr>
         <p:spPr>
           <a:xfrm>
-            <a:off x="18224867" y="7495509"/>
-            <a:ext cx="15304578" cy="11024765"/>
+            <a:off x="9112836" y="3944914"/>
+            <a:ext cx="7652626" cy="5802373"/>
           </a:xfrm>
         </p:spPr>
         <p:txBody>
@@ -1609,7 +1961,7 @@
           <a:p>
             <a:fld id="{C83CEA97-2613-47C8-A44B-BC8CE03E7D4E}" type="datetimeFigureOut">
               <a:rPr lang="ko-KR" altLang="en-US" smtClean="0"/>
-              <a:t>2021-02-14</a:t>
+              <a:t>2021-02-24</a:t>
             </a:fld>
             <a:endParaRPr lang="ko-KR" altLang="en-US"/>
           </a:p>
@@ -1660,7 +2012,7 @@
     </p:spTree>
     <p:extLst>
       <p:ext uri="{BB962C8B-B14F-4D97-AF65-F5344CB8AC3E}">
-        <p14:creationId xmlns:p14="http://schemas.microsoft.com/office/powerpoint/2010/main" val="3196932268"/>
+        <p14:creationId xmlns:p14="http://schemas.microsoft.com/office/powerpoint/2010/main" val="3145943371"/>
       </p:ext>
     </p:extLst>
   </p:cSld>
@@ -1727,7 +2079,7 @@
           <a:p>
             <a:fld id="{C83CEA97-2613-47C8-A44B-BC8CE03E7D4E}" type="datetimeFigureOut">
               <a:rPr lang="ko-KR" altLang="en-US" smtClean="0"/>
-              <a:t>2021-02-14</a:t>
+              <a:t>2021-02-24</a:t>
             </a:fld>
             <a:endParaRPr lang="ko-KR" altLang="en-US"/>
           </a:p>
@@ -1778,7 +2130,7 @@
     </p:spTree>
     <p:extLst>
       <p:ext uri="{BB962C8B-B14F-4D97-AF65-F5344CB8AC3E}">
-        <p14:creationId xmlns:p14="http://schemas.microsoft.com/office/powerpoint/2010/main" val="4078582384"/>
+        <p14:creationId xmlns:p14="http://schemas.microsoft.com/office/powerpoint/2010/main" val="2255291705"/>
       </p:ext>
     </p:extLst>
   </p:cSld>
@@ -1822,7 +2174,7 @@
           <a:p>
             <a:fld id="{C83CEA97-2613-47C8-A44B-BC8CE03E7D4E}" type="datetimeFigureOut">
               <a:rPr lang="ko-KR" altLang="en-US" smtClean="0"/>
-              <a:t>2021-02-14</a:t>
+              <a:t>2021-02-24</a:t>
             </a:fld>
             <a:endParaRPr lang="ko-KR" altLang="en-US"/>
           </a:p>
@@ -1873,7 +2225,7 @@
     </p:spTree>
     <p:extLst>
       <p:ext uri="{BB962C8B-B14F-4D97-AF65-F5344CB8AC3E}">
-        <p14:creationId xmlns:p14="http://schemas.microsoft.com/office/powerpoint/2010/main" val="495668157"/>
+        <p14:creationId xmlns:p14="http://schemas.microsoft.com/office/powerpoint/2010/main" val="910900972"/>
       </p:ext>
     </p:extLst>
   </p:cSld>
@@ -1912,15 +2264,15 @@
         </p:nvSpPr>
         <p:spPr>
           <a:xfrm>
-            <a:off x="2479672" y="1368002"/>
-            <a:ext cx="11610852" cy="4788006"/>
+            <a:off x="1239891" y="719984"/>
+            <a:ext cx="5805682" cy="2519945"/>
           </a:xfrm>
         </p:spPr>
         <p:txBody>
           <a:bodyPr anchor="b"/>
           <a:lstStyle>
             <a:lvl1pPr>
-              <a:defRPr sz="9449"/>
+              <a:defRPr sz="4724"/>
             </a:lvl1pPr>
           </a:lstStyle>
           <a:p>
@@ -1944,39 +2296,39 @@
         </p:nvSpPr>
         <p:spPr>
           <a:xfrm>
-            <a:off x="15304578" y="2954505"/>
-            <a:ext cx="18224867" cy="14582518"/>
+            <a:off x="7652626" y="1554966"/>
+            <a:ext cx="9112836" cy="7674832"/>
           </a:xfrm>
         </p:spPr>
         <p:txBody>
           <a:bodyPr/>
           <a:lstStyle>
             <a:lvl1pPr>
-              <a:defRPr sz="9449"/>
+              <a:defRPr sz="4724"/>
             </a:lvl1pPr>
             <a:lvl2pPr>
-              <a:defRPr sz="8268"/>
+              <a:defRPr sz="4134"/>
             </a:lvl2pPr>
             <a:lvl3pPr>
-              <a:defRPr sz="7086"/>
+              <a:defRPr sz="3543"/>
             </a:lvl3pPr>
             <a:lvl4pPr>
-              <a:defRPr sz="5905"/>
+              <a:defRPr sz="2953"/>
             </a:lvl4pPr>
             <a:lvl5pPr>
-              <a:defRPr sz="5905"/>
+              <a:defRPr sz="2953"/>
             </a:lvl5pPr>
             <a:lvl6pPr>
-              <a:defRPr sz="5905"/>
+              <a:defRPr sz="2953"/>
             </a:lvl6pPr>
             <a:lvl7pPr>
-              <a:defRPr sz="5905"/>
+              <a:defRPr sz="2953"/>
             </a:lvl7pPr>
             <a:lvl8pPr>
-              <a:defRPr sz="5905"/>
+              <a:defRPr sz="2953"/>
             </a:lvl8pPr>
             <a:lvl9pPr>
-              <a:defRPr sz="5905"/>
+              <a:defRPr sz="2953"/>
             </a:lvl9pPr>
           </a:lstStyle>
           <a:p>
@@ -2029,8 +2381,8 @@
         </p:nvSpPr>
         <p:spPr>
           <a:xfrm>
-            <a:off x="2479672" y="6156008"/>
-            <a:ext cx="11610852" cy="11404765"/>
+            <a:off x="1239891" y="3239929"/>
+            <a:ext cx="5805682" cy="6002369"/>
           </a:xfrm>
         </p:spPr>
         <p:txBody>
@@ -2038,39 +2390,39 @@
           <a:lstStyle>
             <a:lvl1pPr marL="0" indent="0">
               <a:buNone/>
-              <a:defRPr sz="4724"/>
+              <a:defRPr sz="2362"/>
             </a:lvl1pPr>
-            <a:lvl2pPr marL="1349974" indent="0">
+            <a:lvl2pPr marL="675010" indent="0">
               <a:buNone/>
-              <a:defRPr sz="4134"/>
+              <a:defRPr sz="2067"/>
             </a:lvl2pPr>
-            <a:lvl3pPr marL="2699949" indent="0">
+            <a:lvl3pPr marL="1350020" indent="0">
               <a:buNone/>
-              <a:defRPr sz="3543"/>
+              <a:defRPr sz="1772"/>
             </a:lvl3pPr>
-            <a:lvl4pPr marL="4049923" indent="0">
+            <a:lvl4pPr marL="2025030" indent="0">
               <a:buNone/>
-              <a:defRPr sz="2953"/>
+              <a:defRPr sz="1476"/>
             </a:lvl4pPr>
-            <a:lvl5pPr marL="5399898" indent="0">
+            <a:lvl5pPr marL="2700040" indent="0">
               <a:buNone/>
-              <a:defRPr sz="2953"/>
+              <a:defRPr sz="1476"/>
             </a:lvl5pPr>
-            <a:lvl6pPr marL="6749872" indent="0">
+            <a:lvl6pPr marL="3375050" indent="0">
               <a:buNone/>
-              <a:defRPr sz="2953"/>
+              <a:defRPr sz="1476"/>
             </a:lvl6pPr>
-            <a:lvl7pPr marL="8099847" indent="0">
+            <a:lvl7pPr marL="4050060" indent="0">
               <a:buNone/>
-              <a:defRPr sz="2953"/>
+              <a:defRPr sz="1476"/>
             </a:lvl7pPr>
-            <a:lvl8pPr marL="9449821" indent="0">
+            <a:lvl8pPr marL="4725071" indent="0">
               <a:buNone/>
-              <a:defRPr sz="2953"/>
+              <a:defRPr sz="1476"/>
             </a:lvl8pPr>
-            <a:lvl9pPr marL="10799796" indent="0">
+            <a:lvl9pPr marL="5400081" indent="0">
               <a:buNone/>
-              <a:defRPr sz="2953"/>
+              <a:defRPr sz="1476"/>
             </a:lvl9pPr>
           </a:lstStyle>
           <a:p>
@@ -2099,7 +2451,7 @@
           <a:p>
             <a:fld id="{C83CEA97-2613-47C8-A44B-BC8CE03E7D4E}" type="datetimeFigureOut">
               <a:rPr lang="ko-KR" altLang="en-US" smtClean="0"/>
-              <a:t>2021-02-14</a:t>
+              <a:t>2021-02-24</a:t>
             </a:fld>
             <a:endParaRPr lang="ko-KR" altLang="en-US"/>
           </a:p>
@@ -2150,7 +2502,7 @@
     </p:spTree>
     <p:extLst>
       <p:ext uri="{BB962C8B-B14F-4D97-AF65-F5344CB8AC3E}">
-        <p14:creationId xmlns:p14="http://schemas.microsoft.com/office/powerpoint/2010/main" val="3724251567"/>
+        <p14:creationId xmlns:p14="http://schemas.microsoft.com/office/powerpoint/2010/main" val="2837007225"/>
       </p:ext>
     </p:extLst>
   </p:cSld>
@@ -2189,15 +2541,15 @@
         </p:nvSpPr>
         <p:spPr>
           <a:xfrm>
-            <a:off x="2479672" y="1368002"/>
-            <a:ext cx="11610852" cy="4788006"/>
+            <a:off x="1239891" y="719984"/>
+            <a:ext cx="5805682" cy="2519945"/>
           </a:xfrm>
         </p:spPr>
         <p:txBody>
           <a:bodyPr anchor="b"/>
           <a:lstStyle>
             <a:lvl1pPr>
-              <a:defRPr sz="9449"/>
+              <a:defRPr sz="4724"/>
             </a:lvl1pPr>
           </a:lstStyle>
           <a:p>
@@ -2221,8 +2573,8 @@
         </p:nvSpPr>
         <p:spPr>
           <a:xfrm>
-            <a:off x="15304578" y="2954505"/>
-            <a:ext cx="18224867" cy="14582518"/>
+            <a:off x="7652626" y="1554966"/>
+            <a:ext cx="9112836" cy="7674832"/>
           </a:xfrm>
         </p:spPr>
         <p:txBody>
@@ -2230,39 +2582,39 @@
           <a:lstStyle>
             <a:lvl1pPr marL="0" indent="0">
               <a:buNone/>
-              <a:defRPr sz="9449"/>
+              <a:defRPr sz="4724"/>
             </a:lvl1pPr>
-            <a:lvl2pPr marL="1349974" indent="0">
+            <a:lvl2pPr marL="675010" indent="0">
               <a:buNone/>
-              <a:defRPr sz="8268"/>
+              <a:defRPr sz="4134"/>
             </a:lvl2pPr>
-            <a:lvl3pPr marL="2699949" indent="0">
+            <a:lvl3pPr marL="1350020" indent="0">
               <a:buNone/>
-              <a:defRPr sz="7086"/>
+              <a:defRPr sz="3543"/>
             </a:lvl3pPr>
-            <a:lvl4pPr marL="4049923" indent="0">
+            <a:lvl4pPr marL="2025030" indent="0">
               <a:buNone/>
-              <a:defRPr sz="5905"/>
+              <a:defRPr sz="2953"/>
             </a:lvl4pPr>
-            <a:lvl5pPr marL="5399898" indent="0">
+            <a:lvl5pPr marL="2700040" indent="0">
               <a:buNone/>
-              <a:defRPr sz="5905"/>
+              <a:defRPr sz="2953"/>
             </a:lvl5pPr>
-            <a:lvl6pPr marL="6749872" indent="0">
+            <a:lvl6pPr marL="3375050" indent="0">
               <a:buNone/>
-              <a:defRPr sz="5905"/>
+              <a:defRPr sz="2953"/>
             </a:lvl6pPr>
-            <a:lvl7pPr marL="8099847" indent="0">
+            <a:lvl7pPr marL="4050060" indent="0">
               <a:buNone/>
-              <a:defRPr sz="5905"/>
+              <a:defRPr sz="2953"/>
             </a:lvl7pPr>
-            <a:lvl8pPr marL="9449821" indent="0">
+            <a:lvl8pPr marL="4725071" indent="0">
               <a:buNone/>
-              <a:defRPr sz="5905"/>
+              <a:defRPr sz="2953"/>
             </a:lvl8pPr>
-            <a:lvl9pPr marL="10799796" indent="0">
+            <a:lvl9pPr marL="5400081" indent="0">
               <a:buNone/>
-              <a:defRPr sz="5905"/>
+              <a:defRPr sz="2953"/>
             </a:lvl9pPr>
           </a:lstStyle>
           <a:p>
@@ -2286,8 +2638,8 @@
         </p:nvSpPr>
         <p:spPr>
           <a:xfrm>
-            <a:off x="2479672" y="6156008"/>
-            <a:ext cx="11610852" cy="11404765"/>
+            <a:off x="1239891" y="3239929"/>
+            <a:ext cx="5805682" cy="6002369"/>
           </a:xfrm>
         </p:spPr>
         <p:txBody>
@@ -2295,39 +2647,39 @@
           <a:lstStyle>
             <a:lvl1pPr marL="0" indent="0">
               <a:buNone/>
-              <a:defRPr sz="4724"/>
+              <a:defRPr sz="2362"/>
             </a:lvl1pPr>
-            <a:lvl2pPr marL="1349974" indent="0">
+            <a:lvl2pPr marL="675010" indent="0">
               <a:buNone/>
-              <a:defRPr sz="4134"/>
+              <a:defRPr sz="2067"/>
             </a:lvl2pPr>
-            <a:lvl3pPr marL="2699949" indent="0">
+            <a:lvl3pPr marL="1350020" indent="0">
               <a:buNone/>
-              <a:defRPr sz="3543"/>
+              <a:defRPr sz="1772"/>
             </a:lvl3pPr>
-            <a:lvl4pPr marL="4049923" indent="0">
+            <a:lvl4pPr marL="2025030" indent="0">
               <a:buNone/>
-              <a:defRPr sz="2953"/>
+              <a:defRPr sz="1476"/>
             </a:lvl4pPr>
-            <a:lvl5pPr marL="5399898" indent="0">
+            <a:lvl5pPr marL="2700040" indent="0">
               <a:buNone/>
-              <a:defRPr sz="2953"/>
+              <a:defRPr sz="1476"/>
             </a:lvl5pPr>
-            <a:lvl6pPr marL="6749872" indent="0">
+            <a:lvl6pPr marL="3375050" indent="0">
               <a:buNone/>
-              <a:defRPr sz="2953"/>
+              <a:defRPr sz="1476"/>
             </a:lvl6pPr>
-            <a:lvl7pPr marL="8099847" indent="0">
+            <a:lvl7pPr marL="4050060" indent="0">
               <a:buNone/>
-              <a:defRPr sz="2953"/>
+              <a:defRPr sz="1476"/>
             </a:lvl7pPr>
-            <a:lvl8pPr marL="9449821" indent="0">
+            <a:lvl8pPr marL="4725071" indent="0">
               <a:buNone/>
-              <a:defRPr sz="2953"/>
+              <a:defRPr sz="1476"/>
             </a:lvl8pPr>
-            <a:lvl9pPr marL="10799796" indent="0">
+            <a:lvl9pPr marL="5400081" indent="0">
               <a:buNone/>
-              <a:defRPr sz="2953"/>
+              <a:defRPr sz="1476"/>
             </a:lvl9pPr>
           </a:lstStyle>
           <a:p>
@@ -2356,7 +2708,7 @@
           <a:p>
             <a:fld id="{C83CEA97-2613-47C8-A44B-BC8CE03E7D4E}" type="datetimeFigureOut">
               <a:rPr lang="ko-KR" altLang="en-US" smtClean="0"/>
-              <a:t>2021-02-14</a:t>
+              <a:t>2021-02-24</a:t>
             </a:fld>
             <a:endParaRPr lang="ko-KR" altLang="en-US"/>
           </a:p>
@@ -2407,7 +2759,7 @@
     </p:spTree>
     <p:extLst>
       <p:ext uri="{BB962C8B-B14F-4D97-AF65-F5344CB8AC3E}">
-        <p14:creationId xmlns:p14="http://schemas.microsoft.com/office/powerpoint/2010/main" val="2769077895"/>
+        <p14:creationId xmlns:p14="http://schemas.microsoft.com/office/powerpoint/2010/main" val="3408828990"/>
       </p:ext>
     </p:extLst>
   </p:cSld>
@@ -2451,8 +2803,8 @@
         </p:nvSpPr>
         <p:spPr>
           <a:xfrm>
-            <a:off x="2474982" y="1092503"/>
-            <a:ext cx="31049774" cy="3966256"/>
+            <a:off x="1237546" y="574988"/>
+            <a:ext cx="15525572" cy="2087455"/>
           </a:xfrm>
           <a:prstGeom prst="rect">
             <a:avLst/>
@@ -2484,8 +2836,8 @@
         </p:nvSpPr>
         <p:spPr>
           <a:xfrm>
-            <a:off x="2474982" y="5462507"/>
-            <a:ext cx="31049774" cy="13019767"/>
+            <a:off x="1237546" y="2874937"/>
+            <a:ext cx="15525572" cy="6852350"/>
           </a:xfrm>
           <a:prstGeom prst="rect">
             <a:avLst/>
@@ -2546,8 +2898,8 @@
         </p:nvSpPr>
         <p:spPr>
           <a:xfrm>
-            <a:off x="2474982" y="19019025"/>
-            <a:ext cx="8099941" cy="1092501"/>
+            <a:off x="1237546" y="10009781"/>
+            <a:ext cx="4050149" cy="574987"/>
           </a:xfrm>
           <a:prstGeom prst="rect">
             <a:avLst/>
@@ -2557,7 +2909,7 @@
           <a:bodyPr vert="horz" lIns="91440" tIns="45720" rIns="91440" bIns="45720" rtlCol="0" anchor="ctr"/>
           <a:lstStyle>
             <a:lvl1pPr algn="l">
-              <a:defRPr sz="3543">
+              <a:defRPr sz="1772">
                 <a:solidFill>
                   <a:schemeClr val="tx1">
                     <a:tint val="75000"/>
@@ -2569,7 +2921,7 @@
           <a:p>
             <a:fld id="{C83CEA97-2613-47C8-A44B-BC8CE03E7D4E}" type="datetimeFigureOut">
               <a:rPr lang="ko-KR" altLang="en-US" smtClean="0"/>
-              <a:t>2021-02-14</a:t>
+              <a:t>2021-02-24</a:t>
             </a:fld>
             <a:endParaRPr lang="ko-KR" altLang="en-US"/>
           </a:p>
@@ -2587,8 +2939,8 @@
         </p:nvSpPr>
         <p:spPr>
           <a:xfrm>
-            <a:off x="11924913" y="19019025"/>
-            <a:ext cx="12149912" cy="1092501"/>
+            <a:off x="5962720" y="10009781"/>
+            <a:ext cx="6075224" cy="574987"/>
           </a:xfrm>
           <a:prstGeom prst="rect">
             <a:avLst/>
@@ -2598,7 +2950,7 @@
           <a:bodyPr vert="horz" lIns="91440" tIns="45720" rIns="91440" bIns="45720" rtlCol="0" anchor="ctr"/>
           <a:lstStyle>
             <a:lvl1pPr algn="ctr">
-              <a:defRPr sz="3543">
+              <a:defRPr sz="1772">
                 <a:solidFill>
                   <a:schemeClr val="tx1">
                     <a:tint val="75000"/>
@@ -2624,8 +2976,8 @@
         </p:nvSpPr>
         <p:spPr>
           <a:xfrm>
-            <a:off x="25424815" y="19019025"/>
-            <a:ext cx="8099941" cy="1092501"/>
+            <a:off x="12712968" y="10009781"/>
+            <a:ext cx="4050149" cy="574987"/>
           </a:xfrm>
           <a:prstGeom prst="rect">
             <a:avLst/>
@@ -2635,7 +2987,7 @@
           <a:bodyPr vert="horz" lIns="91440" tIns="45720" rIns="91440" bIns="45720" rtlCol="0" anchor="ctr"/>
           <a:lstStyle>
             <a:lvl1pPr algn="r">
-              <a:defRPr sz="3543">
+              <a:defRPr sz="1772">
                 <a:solidFill>
                   <a:schemeClr val="tx1">
                     <a:tint val="75000"/>
@@ -2656,27 +3008,27 @@
     </p:spTree>
     <p:extLst>
       <p:ext uri="{BB962C8B-B14F-4D97-AF65-F5344CB8AC3E}">
-        <p14:creationId xmlns:p14="http://schemas.microsoft.com/office/powerpoint/2010/main" val="3444736091"/>
+        <p14:creationId xmlns:p14="http://schemas.microsoft.com/office/powerpoint/2010/main" val="1042053199"/>
       </p:ext>
     </p:extLst>
   </p:cSld>
   <p:clrMap bg1="lt1" tx1="dk1" bg2="lt2" tx2="dk2" accent1="accent1" accent2="accent2" accent3="accent3" accent4="accent4" accent5="accent5" accent6="accent6" hlink="hlink" folHlink="folHlink"/>
   <p:sldLayoutIdLst>
-    <p:sldLayoutId id="2147483661" r:id="rId1"/>
-    <p:sldLayoutId id="2147483662" r:id="rId2"/>
-    <p:sldLayoutId id="2147483663" r:id="rId3"/>
-    <p:sldLayoutId id="2147483664" r:id="rId4"/>
-    <p:sldLayoutId id="2147483665" r:id="rId5"/>
-    <p:sldLayoutId id="2147483666" r:id="rId6"/>
-    <p:sldLayoutId id="2147483667" r:id="rId7"/>
-    <p:sldLayoutId id="2147483668" r:id="rId8"/>
-    <p:sldLayoutId id="2147483669" r:id="rId9"/>
-    <p:sldLayoutId id="2147483670" r:id="rId10"/>
-    <p:sldLayoutId id="2147483671" r:id="rId11"/>
+    <p:sldLayoutId id="2147483673" r:id="rId1"/>
+    <p:sldLayoutId id="2147483674" r:id="rId2"/>
+    <p:sldLayoutId id="2147483675" r:id="rId3"/>
+    <p:sldLayoutId id="2147483676" r:id="rId4"/>
+    <p:sldLayoutId id="2147483677" r:id="rId5"/>
+    <p:sldLayoutId id="2147483678" r:id="rId6"/>
+    <p:sldLayoutId id="2147483679" r:id="rId7"/>
+    <p:sldLayoutId id="2147483680" r:id="rId8"/>
+    <p:sldLayoutId id="2147483681" r:id="rId9"/>
+    <p:sldLayoutId id="2147483682" r:id="rId10"/>
+    <p:sldLayoutId id="2147483683" r:id="rId11"/>
   </p:sldLayoutIdLst>
   <p:txStyles>
     <p:titleStyle>
-      <a:lvl1pPr algn="l" defTabSz="2699949" rtl="0" eaLnBrk="1" latinLnBrk="1" hangingPunct="1">
+      <a:lvl1pPr algn="l" defTabSz="1350020" rtl="0" eaLnBrk="1" latinLnBrk="1" hangingPunct="1">
         <a:lnSpc>
           <a:spcPct val="90000"/>
         </a:lnSpc>
@@ -2684,7 +3036,7 @@
           <a:spcPct val="0"/>
         </a:spcBef>
         <a:buNone/>
-        <a:defRPr sz="12992" kern="1200">
+        <a:defRPr sz="6496" kern="1200">
           <a:solidFill>
             <a:schemeClr val="tx1"/>
           </a:solidFill>
@@ -2695,16 +3047,16 @@
       </a:lvl1pPr>
     </p:titleStyle>
     <p:bodyStyle>
-      <a:lvl1pPr marL="674987" indent="-674987" algn="l" defTabSz="2699949" rtl="0" eaLnBrk="1" latinLnBrk="1" hangingPunct="1">
+      <a:lvl1pPr marL="337505" indent="-337505" algn="l" defTabSz="1350020" rtl="0" eaLnBrk="1" latinLnBrk="1" hangingPunct="1">
         <a:lnSpc>
           <a:spcPct val="90000"/>
         </a:lnSpc>
         <a:spcBef>
-          <a:spcPts val="2953"/>
+          <a:spcPts val="1476"/>
         </a:spcBef>
         <a:buFont typeface="Arial" panose="020B0604020202020204" pitchFamily="34" charset="0"/>
         <a:buChar char="•"/>
-        <a:defRPr sz="8268" kern="1200">
+        <a:defRPr sz="4134" kern="1200">
           <a:solidFill>
             <a:schemeClr val="tx1"/>
           </a:solidFill>
@@ -2713,16 +3065,16 @@
           <a:cs typeface="+mn-cs"/>
         </a:defRPr>
       </a:lvl1pPr>
-      <a:lvl2pPr marL="2024962" indent="-674987" algn="l" defTabSz="2699949" rtl="0" eaLnBrk="1" latinLnBrk="1" hangingPunct="1">
+      <a:lvl2pPr marL="1012515" indent="-337505" algn="l" defTabSz="1350020" rtl="0" eaLnBrk="1" latinLnBrk="1" hangingPunct="1">
         <a:lnSpc>
           <a:spcPct val="90000"/>
         </a:lnSpc>
         <a:spcBef>
-          <a:spcPts val="1476"/>
+          <a:spcPts val="738"/>
         </a:spcBef>
         <a:buFont typeface="Arial" panose="020B0604020202020204" pitchFamily="34" charset="0"/>
         <a:buChar char="•"/>
-        <a:defRPr sz="7086" kern="1200">
+        <a:defRPr sz="3543" kern="1200">
           <a:solidFill>
             <a:schemeClr val="tx1"/>
           </a:solidFill>
@@ -2731,16 +3083,16 @@
           <a:cs typeface="+mn-cs"/>
         </a:defRPr>
       </a:lvl2pPr>
-      <a:lvl3pPr marL="3374936" indent="-674987" algn="l" defTabSz="2699949" rtl="0" eaLnBrk="1" latinLnBrk="1" hangingPunct="1">
+      <a:lvl3pPr marL="1687525" indent="-337505" algn="l" defTabSz="1350020" rtl="0" eaLnBrk="1" latinLnBrk="1" hangingPunct="1">
         <a:lnSpc>
           <a:spcPct val="90000"/>
         </a:lnSpc>
         <a:spcBef>
-          <a:spcPts val="1476"/>
+          <a:spcPts val="738"/>
         </a:spcBef>
         <a:buFont typeface="Arial" panose="020B0604020202020204" pitchFamily="34" charset="0"/>
         <a:buChar char="•"/>
-        <a:defRPr sz="5905" kern="1200">
+        <a:defRPr sz="2953" kern="1200">
           <a:solidFill>
             <a:schemeClr val="tx1"/>
           </a:solidFill>
@@ -2749,16 +3101,16 @@
           <a:cs typeface="+mn-cs"/>
         </a:defRPr>
       </a:lvl3pPr>
-      <a:lvl4pPr marL="4724911" indent="-674987" algn="l" defTabSz="2699949" rtl="0" eaLnBrk="1" latinLnBrk="1" hangingPunct="1">
+      <a:lvl4pPr marL="2362535" indent="-337505" algn="l" defTabSz="1350020" rtl="0" eaLnBrk="1" latinLnBrk="1" hangingPunct="1">
         <a:lnSpc>
           <a:spcPct val="90000"/>
         </a:lnSpc>
         <a:spcBef>
-          <a:spcPts val="1476"/>
+          <a:spcPts val="738"/>
         </a:spcBef>
         <a:buFont typeface="Arial" panose="020B0604020202020204" pitchFamily="34" charset="0"/>
         <a:buChar char="•"/>
-        <a:defRPr sz="5315" kern="1200">
+        <a:defRPr sz="2658" kern="1200">
           <a:solidFill>
             <a:schemeClr val="tx1"/>
           </a:solidFill>
@@ -2767,16 +3119,16 @@
           <a:cs typeface="+mn-cs"/>
         </a:defRPr>
       </a:lvl4pPr>
-      <a:lvl5pPr marL="6074885" indent="-674987" algn="l" defTabSz="2699949" rtl="0" eaLnBrk="1" latinLnBrk="1" hangingPunct="1">
+      <a:lvl5pPr marL="3037545" indent="-337505" algn="l" defTabSz="1350020" rtl="0" eaLnBrk="1" latinLnBrk="1" hangingPunct="1">
         <a:lnSpc>
           <a:spcPct val="90000"/>
         </a:lnSpc>
         <a:spcBef>
-          <a:spcPts val="1476"/>
+          <a:spcPts val="738"/>
         </a:spcBef>
         <a:buFont typeface="Arial" panose="020B0604020202020204" pitchFamily="34" charset="0"/>
         <a:buChar char="•"/>
-        <a:defRPr sz="5315" kern="1200">
+        <a:defRPr sz="2658" kern="1200">
           <a:solidFill>
             <a:schemeClr val="tx1"/>
           </a:solidFill>
@@ -2785,16 +3137,16 @@
           <a:cs typeface="+mn-cs"/>
         </a:defRPr>
       </a:lvl5pPr>
-      <a:lvl6pPr marL="7424859" indent="-674987" algn="l" defTabSz="2699949" rtl="0" eaLnBrk="1" latinLnBrk="1" hangingPunct="1">
+      <a:lvl6pPr marL="3712555" indent="-337505" algn="l" defTabSz="1350020" rtl="0" eaLnBrk="1" latinLnBrk="1" hangingPunct="1">
         <a:lnSpc>
           <a:spcPct val="90000"/>
         </a:lnSpc>
         <a:spcBef>
-          <a:spcPts val="1476"/>
+          <a:spcPts val="738"/>
         </a:spcBef>
         <a:buFont typeface="Arial" panose="020B0604020202020204" pitchFamily="34" charset="0"/>
         <a:buChar char="•"/>
-        <a:defRPr sz="5315" kern="1200">
+        <a:defRPr sz="2658" kern="1200">
           <a:solidFill>
             <a:schemeClr val="tx1"/>
           </a:solidFill>
@@ -2803,16 +3155,16 @@
           <a:cs typeface="+mn-cs"/>
         </a:defRPr>
       </a:lvl6pPr>
-      <a:lvl7pPr marL="8774834" indent="-674987" algn="l" defTabSz="2699949" rtl="0" eaLnBrk="1" latinLnBrk="1" hangingPunct="1">
+      <a:lvl7pPr marL="4387566" indent="-337505" algn="l" defTabSz="1350020" rtl="0" eaLnBrk="1" latinLnBrk="1" hangingPunct="1">
         <a:lnSpc>
           <a:spcPct val="90000"/>
         </a:lnSpc>
         <a:spcBef>
-          <a:spcPts val="1476"/>
+          <a:spcPts val="738"/>
         </a:spcBef>
         <a:buFont typeface="Arial" panose="020B0604020202020204" pitchFamily="34" charset="0"/>
         <a:buChar char="•"/>
-        <a:defRPr sz="5315" kern="1200">
+        <a:defRPr sz="2658" kern="1200">
           <a:solidFill>
             <a:schemeClr val="tx1"/>
           </a:solidFill>
@@ -2821,16 +3173,16 @@
           <a:cs typeface="+mn-cs"/>
         </a:defRPr>
       </a:lvl7pPr>
-      <a:lvl8pPr marL="10124808" indent="-674987" algn="l" defTabSz="2699949" rtl="0" eaLnBrk="1" latinLnBrk="1" hangingPunct="1">
+      <a:lvl8pPr marL="5062576" indent="-337505" algn="l" defTabSz="1350020" rtl="0" eaLnBrk="1" latinLnBrk="1" hangingPunct="1">
         <a:lnSpc>
           <a:spcPct val="90000"/>
         </a:lnSpc>
         <a:spcBef>
-          <a:spcPts val="1476"/>
+          <a:spcPts val="738"/>
         </a:spcBef>
         <a:buFont typeface="Arial" panose="020B0604020202020204" pitchFamily="34" charset="0"/>
         <a:buChar char="•"/>
-        <a:defRPr sz="5315" kern="1200">
+        <a:defRPr sz="2658" kern="1200">
           <a:solidFill>
             <a:schemeClr val="tx1"/>
           </a:solidFill>
@@ -2839,16 +3191,16 @@
           <a:cs typeface="+mn-cs"/>
         </a:defRPr>
       </a:lvl8pPr>
-      <a:lvl9pPr marL="11474783" indent="-674987" algn="l" defTabSz="2699949" rtl="0" eaLnBrk="1" latinLnBrk="1" hangingPunct="1">
+      <a:lvl9pPr marL="5737586" indent="-337505" algn="l" defTabSz="1350020" rtl="0" eaLnBrk="1" latinLnBrk="1" hangingPunct="1">
         <a:lnSpc>
           <a:spcPct val="90000"/>
         </a:lnSpc>
         <a:spcBef>
-          <a:spcPts val="1476"/>
+          <a:spcPts val="738"/>
         </a:spcBef>
         <a:buFont typeface="Arial" panose="020B0604020202020204" pitchFamily="34" charset="0"/>
         <a:buChar char="•"/>
-        <a:defRPr sz="5315" kern="1200">
+        <a:defRPr sz="2658" kern="1200">
           <a:solidFill>
             <a:schemeClr val="tx1"/>
           </a:solidFill>
@@ -2862,8 +3214,8 @@
       <a:defPPr>
         <a:defRPr lang="en-US"/>
       </a:defPPr>
-      <a:lvl1pPr marL="0" algn="l" defTabSz="2699949" rtl="0" eaLnBrk="1" latinLnBrk="1" hangingPunct="1">
-        <a:defRPr sz="5315" kern="1200">
+      <a:lvl1pPr marL="0" algn="l" defTabSz="1350020" rtl="0" eaLnBrk="1" latinLnBrk="1" hangingPunct="1">
+        <a:defRPr sz="2658" kern="1200">
           <a:solidFill>
             <a:schemeClr val="tx1"/>
           </a:solidFill>
@@ -2872,8 +3224,8 @@
           <a:cs typeface="+mn-cs"/>
         </a:defRPr>
       </a:lvl1pPr>
-      <a:lvl2pPr marL="1349974" algn="l" defTabSz="2699949" rtl="0" eaLnBrk="1" latinLnBrk="1" hangingPunct="1">
-        <a:defRPr sz="5315" kern="1200">
+      <a:lvl2pPr marL="675010" algn="l" defTabSz="1350020" rtl="0" eaLnBrk="1" latinLnBrk="1" hangingPunct="1">
+        <a:defRPr sz="2658" kern="1200">
           <a:solidFill>
             <a:schemeClr val="tx1"/>
           </a:solidFill>
@@ -2882,8 +3234,8 @@
           <a:cs typeface="+mn-cs"/>
         </a:defRPr>
       </a:lvl2pPr>
-      <a:lvl3pPr marL="2699949" algn="l" defTabSz="2699949" rtl="0" eaLnBrk="1" latinLnBrk="1" hangingPunct="1">
-        <a:defRPr sz="5315" kern="1200">
+      <a:lvl3pPr marL="1350020" algn="l" defTabSz="1350020" rtl="0" eaLnBrk="1" latinLnBrk="1" hangingPunct="1">
+        <a:defRPr sz="2658" kern="1200">
           <a:solidFill>
             <a:schemeClr val="tx1"/>
           </a:solidFill>
@@ -2892,8 +3244,8 @@
           <a:cs typeface="+mn-cs"/>
         </a:defRPr>
       </a:lvl3pPr>
-      <a:lvl4pPr marL="4049923" algn="l" defTabSz="2699949" rtl="0" eaLnBrk="1" latinLnBrk="1" hangingPunct="1">
-        <a:defRPr sz="5315" kern="1200">
+      <a:lvl4pPr marL="2025030" algn="l" defTabSz="1350020" rtl="0" eaLnBrk="1" latinLnBrk="1" hangingPunct="1">
+        <a:defRPr sz="2658" kern="1200">
           <a:solidFill>
             <a:schemeClr val="tx1"/>
           </a:solidFill>
@@ -2902,8 +3254,8 @@
           <a:cs typeface="+mn-cs"/>
         </a:defRPr>
       </a:lvl4pPr>
-      <a:lvl5pPr marL="5399898" algn="l" defTabSz="2699949" rtl="0" eaLnBrk="1" latinLnBrk="1" hangingPunct="1">
-        <a:defRPr sz="5315" kern="1200">
+      <a:lvl5pPr marL="2700040" algn="l" defTabSz="1350020" rtl="0" eaLnBrk="1" latinLnBrk="1" hangingPunct="1">
+        <a:defRPr sz="2658" kern="1200">
           <a:solidFill>
             <a:schemeClr val="tx1"/>
           </a:solidFill>
@@ -2912,8 +3264,8 @@
           <a:cs typeface="+mn-cs"/>
         </a:defRPr>
       </a:lvl5pPr>
-      <a:lvl6pPr marL="6749872" algn="l" defTabSz="2699949" rtl="0" eaLnBrk="1" latinLnBrk="1" hangingPunct="1">
-        <a:defRPr sz="5315" kern="1200">
+      <a:lvl6pPr marL="3375050" algn="l" defTabSz="1350020" rtl="0" eaLnBrk="1" latinLnBrk="1" hangingPunct="1">
+        <a:defRPr sz="2658" kern="1200">
           <a:solidFill>
             <a:schemeClr val="tx1"/>
           </a:solidFill>
@@ -2922,8 +3274,8 @@
           <a:cs typeface="+mn-cs"/>
         </a:defRPr>
       </a:lvl6pPr>
-      <a:lvl7pPr marL="8099847" algn="l" defTabSz="2699949" rtl="0" eaLnBrk="1" latinLnBrk="1" hangingPunct="1">
-        <a:defRPr sz="5315" kern="1200">
+      <a:lvl7pPr marL="4050060" algn="l" defTabSz="1350020" rtl="0" eaLnBrk="1" latinLnBrk="1" hangingPunct="1">
+        <a:defRPr sz="2658" kern="1200">
           <a:solidFill>
             <a:schemeClr val="tx1"/>
           </a:solidFill>
@@ -2932,8 +3284,8 @@
           <a:cs typeface="+mn-cs"/>
         </a:defRPr>
       </a:lvl7pPr>
-      <a:lvl8pPr marL="9449821" algn="l" defTabSz="2699949" rtl="0" eaLnBrk="1" latinLnBrk="1" hangingPunct="1">
-        <a:defRPr sz="5315" kern="1200">
+      <a:lvl8pPr marL="4725071" algn="l" defTabSz="1350020" rtl="0" eaLnBrk="1" latinLnBrk="1" hangingPunct="1">
+        <a:defRPr sz="2658" kern="1200">
           <a:solidFill>
             <a:schemeClr val="tx1"/>
           </a:solidFill>
@@ -2942,8 +3294,8 @@
           <a:cs typeface="+mn-cs"/>
         </a:defRPr>
       </a:lvl8pPr>
-      <a:lvl9pPr marL="10799796" algn="l" defTabSz="2699949" rtl="0" eaLnBrk="1" latinLnBrk="1" hangingPunct="1">
-        <a:defRPr sz="5315" kern="1200">
+      <a:lvl9pPr marL="5400081" algn="l" defTabSz="1350020" rtl="0" eaLnBrk="1" latinLnBrk="1" hangingPunct="1">
+        <a:defRPr sz="2658" kern="1200">
           <a:solidFill>
             <a:schemeClr val="tx1"/>
           </a:solidFill>
@@ -2988,8 +3340,8 @@
         </p:nvSpPr>
         <p:spPr>
           <a:xfrm>
-            <a:off x="2822777" y="6419817"/>
-            <a:ext cx="3908222" cy="2381283"/>
+            <a:off x="2165015" y="2443747"/>
+            <a:ext cx="3908222" cy="2317783"/>
           </a:xfrm>
           <a:prstGeom prst="rect">
             <a:avLst/>
@@ -3050,7 +3402,7 @@
         </p:nvSpPr>
         <p:spPr>
           <a:xfrm>
-            <a:off x="4838006" y="6019492"/>
+            <a:off x="4180244" y="2043422"/>
             <a:ext cx="1892993" cy="400327"/>
           </a:xfrm>
           <a:prstGeom prst="rect">
@@ -3086,6 +3438,229 @@
               <a:t>Vending Machine</a:t>
             </a:r>
             <a:endParaRPr lang="ko-KR" altLang="en-US" sz="1399" dirty="0">
+              <a:latin typeface="나눔고딕" panose="020D0604000000000000" pitchFamily="50" charset="-127"/>
+              <a:ea typeface="나눔고딕" panose="020D0604000000000000" pitchFamily="50" charset="-127"/>
+            </a:endParaRPr>
+          </a:p>
+        </p:txBody>
+      </p:sp>
+      <p:sp>
+        <p:nvSpPr>
+          <p:cNvPr id="2" name="화살표: 아래쪽 1">
+            <a:extLst>
+              <a:ext uri="{FF2B5EF4-FFF2-40B4-BE49-F238E27FC236}">
+                <a16:creationId xmlns:a16="http://schemas.microsoft.com/office/drawing/2014/main" id="{D68974C5-EC92-4383-B552-ADE7D710E9BF}"/>
+              </a:ext>
+            </a:extLst>
+          </p:cNvPr>
+          <p:cNvSpPr/>
+          <p:nvPr/>
+        </p:nvSpPr>
+        <p:spPr>
+          <a:xfrm>
+            <a:off x="2383887" y="1491067"/>
+            <a:ext cx="1390651" cy="1276709"/>
+          </a:xfrm>
+          <a:prstGeom prst="downArrow">
+            <a:avLst>
+              <a:gd name="adj1" fmla="val 70443"/>
+              <a:gd name="adj2" fmla="val 50000"/>
+            </a:avLst>
+          </a:prstGeom>
+          <a:solidFill>
+            <a:srgbClr val="000000"/>
+          </a:solidFill>
+          <a:ln>
+            <a:noFill/>
+          </a:ln>
+        </p:spPr>
+        <p:style>
+          <a:lnRef idx="2">
+            <a:schemeClr val="accent1">
+              <a:shade val="50000"/>
+            </a:schemeClr>
+          </a:lnRef>
+          <a:fillRef idx="1">
+            <a:schemeClr val="accent1"/>
+          </a:fillRef>
+          <a:effectRef idx="0">
+            <a:schemeClr val="accent1"/>
+          </a:effectRef>
+          <a:fontRef idx="minor">
+            <a:schemeClr val="lt1"/>
+          </a:fontRef>
+        </p:style>
+        <p:txBody>
+          <a:bodyPr rtlCol="0" anchor="ctr"/>
+          <a:lstStyle/>
+          <a:p>
+            <a:pPr algn="ctr"/>
+            <a:endParaRPr lang="ko-KR" altLang="en-US" sz="1400" dirty="0">
+              <a:latin typeface="나눔고딕" panose="020D0604000000000000" pitchFamily="50" charset="-127"/>
+              <a:ea typeface="나눔고딕" panose="020D0604000000000000" pitchFamily="50" charset="-127"/>
+            </a:endParaRPr>
+          </a:p>
+          <a:p>
+            <a:pPr algn="ctr"/>
+            <a:r>
+              <a:rPr lang="ko-KR" altLang="en-US" sz="1400" dirty="0">
+                <a:latin typeface="나눔고딕" panose="020D0604000000000000" pitchFamily="50" charset="-127"/>
+                <a:ea typeface="나눔고딕" panose="020D0604000000000000" pitchFamily="50" charset="-127"/>
+              </a:rPr>
+              <a:t>₩</a:t>
+            </a:r>
+            <a:r>
+              <a:rPr lang="en-US" altLang="ko-KR" sz="1400" dirty="0">
+                <a:latin typeface="나눔고딕" panose="020D0604000000000000" pitchFamily="50" charset="-127"/>
+                <a:ea typeface="나눔고딕" panose="020D0604000000000000" pitchFamily="50" charset="-127"/>
+              </a:rPr>
+              <a:t>1,000</a:t>
+            </a:r>
+          </a:p>
+          <a:p>
+            <a:pPr algn="ctr"/>
+            <a:r>
+              <a:rPr lang="en-US" altLang="ko-KR" sz="1400" dirty="0">
+                <a:latin typeface="나눔고딕" panose="020D0604000000000000" pitchFamily="50" charset="-127"/>
+                <a:ea typeface="나눔고딕" panose="020D0604000000000000" pitchFamily="50" charset="-127"/>
+              </a:rPr>
+              <a:t>Button</a:t>
+            </a:r>
+            <a:endParaRPr lang="ko-KR" altLang="en-US" sz="1400" dirty="0">
+              <a:latin typeface="나눔고딕" panose="020D0604000000000000" pitchFamily="50" charset="-127"/>
+              <a:ea typeface="나눔고딕" panose="020D0604000000000000" pitchFamily="50" charset="-127"/>
+            </a:endParaRPr>
+          </a:p>
+        </p:txBody>
+      </p:sp>
+      <p:sp>
+        <p:nvSpPr>
+          <p:cNvPr id="3" name="직사각형 2">
+            <a:extLst>
+              <a:ext uri="{FF2B5EF4-FFF2-40B4-BE49-F238E27FC236}">
+                <a16:creationId xmlns:a16="http://schemas.microsoft.com/office/drawing/2014/main" id="{DC237698-F3BC-4106-A860-443C1014BA9E}"/>
+              </a:ext>
+            </a:extLst>
+          </p:cNvPr>
+          <p:cNvSpPr/>
+          <p:nvPr/>
+        </p:nvSpPr>
+        <p:spPr>
+          <a:xfrm>
+            <a:off x="2587088" y="3297837"/>
+            <a:ext cx="3089476" cy="609600"/>
+          </a:xfrm>
+          <a:prstGeom prst="rect">
+            <a:avLst/>
+          </a:prstGeom>
+          <a:solidFill>
+            <a:srgbClr val="000000"/>
+          </a:solidFill>
+          <a:ln>
+            <a:noFill/>
+          </a:ln>
+        </p:spPr>
+        <p:style>
+          <a:lnRef idx="2">
+            <a:schemeClr val="accent1">
+              <a:shade val="50000"/>
+            </a:schemeClr>
+          </a:lnRef>
+          <a:fillRef idx="1">
+            <a:schemeClr val="accent1"/>
+          </a:fillRef>
+          <a:effectRef idx="0">
+            <a:schemeClr val="accent1"/>
+          </a:effectRef>
+          <a:fontRef idx="minor">
+            <a:schemeClr val="lt1"/>
+          </a:fontRef>
+        </p:style>
+        <p:txBody>
+          <a:bodyPr rtlCol="0" anchor="ctr"/>
+          <a:lstStyle/>
+          <a:p>
+            <a:pPr algn="ctr"/>
+            <a:r>
+              <a:rPr lang="en-US" altLang="ko-KR" sz="1400" dirty="0">
+                <a:latin typeface="나눔고딕" panose="020D0604000000000000" pitchFamily="50" charset="-127"/>
+                <a:ea typeface="나눔고딕" panose="020D0604000000000000" pitchFamily="50" charset="-127"/>
+              </a:rPr>
+              <a:t>If(money &gt;= 900)</a:t>
+            </a:r>
+            <a:endParaRPr lang="ko-KR" altLang="en-US" sz="1400" dirty="0">
+              <a:latin typeface="나눔고딕" panose="020D0604000000000000" pitchFamily="50" charset="-127"/>
+              <a:ea typeface="나눔고딕" panose="020D0604000000000000" pitchFamily="50" charset="-127"/>
+            </a:endParaRPr>
+          </a:p>
+        </p:txBody>
+      </p:sp>
+      <p:sp>
+        <p:nvSpPr>
+          <p:cNvPr id="6" name="화살표: 아래쪽 5">
+            <a:extLst>
+              <a:ext uri="{FF2B5EF4-FFF2-40B4-BE49-F238E27FC236}">
+                <a16:creationId xmlns:a16="http://schemas.microsoft.com/office/drawing/2014/main" id="{EC40FF8C-A22E-49E2-9FAF-F99E15717D58}"/>
+              </a:ext>
+            </a:extLst>
+          </p:cNvPr>
+          <p:cNvSpPr/>
+          <p:nvPr/>
+        </p:nvSpPr>
+        <p:spPr>
+          <a:xfrm>
+            <a:off x="4485737" y="4437497"/>
+            <a:ext cx="1390651" cy="1276709"/>
+          </a:xfrm>
+          <a:prstGeom prst="downArrow">
+            <a:avLst>
+              <a:gd name="adj1" fmla="val 70443"/>
+              <a:gd name="adj2" fmla="val 50000"/>
+            </a:avLst>
+          </a:prstGeom>
+          <a:solidFill>
+            <a:srgbClr val="000000"/>
+          </a:solidFill>
+          <a:ln>
+            <a:noFill/>
+          </a:ln>
+        </p:spPr>
+        <p:style>
+          <a:lnRef idx="2">
+            <a:schemeClr val="accent1">
+              <a:shade val="50000"/>
+            </a:schemeClr>
+          </a:lnRef>
+          <a:fillRef idx="1">
+            <a:schemeClr val="accent1"/>
+          </a:fillRef>
+          <a:effectRef idx="0">
+            <a:schemeClr val="accent1"/>
+          </a:effectRef>
+          <a:fontRef idx="minor">
+            <a:schemeClr val="lt1"/>
+          </a:fontRef>
+        </p:style>
+        <p:txBody>
+          <a:bodyPr rtlCol="0" anchor="ctr"/>
+          <a:lstStyle/>
+          <a:p>
+            <a:pPr algn="ctr"/>
+            <a:endParaRPr lang="ko-KR" altLang="en-US" sz="1400" dirty="0">
+              <a:latin typeface="나눔고딕" panose="020D0604000000000000" pitchFamily="50" charset="-127"/>
+              <a:ea typeface="나눔고딕" panose="020D0604000000000000" pitchFamily="50" charset="-127"/>
+            </a:endParaRPr>
+          </a:p>
+          <a:p>
+            <a:pPr algn="ctr"/>
+            <a:r>
+              <a:rPr lang="en-US" altLang="ko-KR" sz="1400" dirty="0">
+                <a:latin typeface="나눔고딕" panose="020D0604000000000000" pitchFamily="50" charset="-127"/>
+                <a:ea typeface="나눔고딕" panose="020D0604000000000000" pitchFamily="50" charset="-127"/>
+              </a:rPr>
+              <a:t>Orange Juice</a:t>
+            </a:r>
+            <a:endParaRPr lang="ko-KR" altLang="en-US" sz="1400" dirty="0">
               <a:latin typeface="나눔고딕" panose="020D0604000000000000" pitchFamily="50" charset="-127"/>
               <a:ea typeface="나눔고딕" panose="020D0604000000000000" pitchFamily="50" charset="-127"/>
             </a:endParaRPr>
@@ -3136,7 +3711,7 @@
         </p:nvSpPr>
         <p:spPr>
           <a:xfrm>
-            <a:off x="2822777" y="6419817"/>
+            <a:off x="2023343" y="5453261"/>
             <a:ext cx="3018407" cy="4217613"/>
           </a:xfrm>
           <a:prstGeom prst="rect">
@@ -3198,7 +3773,7 @@
         </p:nvSpPr>
         <p:spPr>
           <a:xfrm>
-            <a:off x="4838007" y="6019492"/>
+            <a:off x="4038573" y="5052936"/>
             <a:ext cx="1003176" cy="400327"/>
           </a:xfrm>
           <a:prstGeom prst="rect">
@@ -3254,7 +3829,7 @@
         </p:nvSpPr>
         <p:spPr>
           <a:xfrm>
-            <a:off x="3031400" y="9576549"/>
+            <a:off x="2231966" y="8609992"/>
             <a:ext cx="2605599" cy="821184"/>
           </a:xfrm>
           <a:prstGeom prst="rect">
@@ -3306,7 +3881,7 @@
         </p:nvSpPr>
         <p:spPr>
           <a:xfrm>
-            <a:off x="3031400" y="9576551"/>
+            <a:off x="2231966" y="8609995"/>
             <a:ext cx="652510" cy="400327"/>
           </a:xfrm>
           <a:prstGeom prst="rect">
@@ -3362,7 +3937,7 @@
         </p:nvSpPr>
         <p:spPr>
           <a:xfrm>
-            <a:off x="3031398" y="8618172"/>
+            <a:off x="2231964" y="7651615"/>
             <a:ext cx="2605599" cy="821184"/>
           </a:xfrm>
           <a:prstGeom prst="rect">
@@ -3417,7 +3992,7 @@
         </p:nvSpPr>
         <p:spPr>
           <a:xfrm>
-            <a:off x="3031398" y="8618174"/>
+            <a:off x="2231964" y="7651618"/>
             <a:ext cx="652510" cy="400327"/>
           </a:xfrm>
           <a:prstGeom prst="rect">
@@ -3473,7 +4048,7 @@
         </p:nvSpPr>
         <p:spPr>
           <a:xfrm>
-            <a:off x="3031398" y="7657014"/>
+            <a:off x="2231964" y="6690457"/>
             <a:ext cx="2605599" cy="821184"/>
           </a:xfrm>
           <a:prstGeom prst="rect">
@@ -3528,7 +4103,7 @@
         </p:nvSpPr>
         <p:spPr>
           <a:xfrm>
-            <a:off x="3031398" y="7657017"/>
+            <a:off x="2231964" y="6690461"/>
             <a:ext cx="652510" cy="400327"/>
           </a:xfrm>
           <a:prstGeom prst="rect">
@@ -3584,7 +4159,7 @@
         </p:nvSpPr>
         <p:spPr>
           <a:xfrm>
-            <a:off x="3031396" y="6695856"/>
+            <a:off x="2231962" y="5729299"/>
             <a:ext cx="2605599" cy="821184"/>
           </a:xfrm>
           <a:prstGeom prst="rect">
@@ -3639,7 +4214,7 @@
         </p:nvSpPr>
         <p:spPr>
           <a:xfrm>
-            <a:off x="3031396" y="6695859"/>
+            <a:off x="2231962" y="5729303"/>
             <a:ext cx="652510" cy="400327"/>
           </a:xfrm>
           <a:prstGeom prst="rect">
@@ -3696,13 +4271,13 @@
           <p:nvPr>
             <p:extLst>
               <p:ext uri="{D42A27DB-BD31-4B8C-83A1-F6EECF244321}">
-                <p14:modId xmlns:p14="http://schemas.microsoft.com/office/powerpoint/2010/main" val="1251572179"/>
+                <p14:modId xmlns:p14="http://schemas.microsoft.com/office/powerpoint/2010/main" val="784348734"/>
               </p:ext>
             </p:extLst>
           </p:nvPr>
         </p:nvGraphicFramePr>
         <p:xfrm>
-          <a:off x="6686129" y="4587330"/>
+          <a:off x="5886695" y="3620773"/>
           <a:ext cx="1483148" cy="6050100"/>
         </p:xfrm>
         <a:graphic>
@@ -4780,13 +5355,13 @@
           <p:nvPr>
             <p:extLst>
               <p:ext uri="{D42A27DB-BD31-4B8C-83A1-F6EECF244321}">
-                <p14:modId xmlns:p14="http://schemas.microsoft.com/office/powerpoint/2010/main" val="43350915"/>
+                <p14:modId xmlns:p14="http://schemas.microsoft.com/office/powerpoint/2010/main" val="549724423"/>
               </p:ext>
             </p:extLst>
           </p:nvPr>
         </p:nvGraphicFramePr>
         <p:xfrm>
-          <a:off x="8705429" y="4587330"/>
+          <a:off x="7905995" y="3620773"/>
           <a:ext cx="1483148" cy="6050100"/>
         </p:xfrm>
         <a:graphic>
@@ -5863,7 +6438,7 @@
         </p:nvSpPr>
         <p:spPr>
           <a:xfrm>
-            <a:off x="8705429" y="8212708"/>
+            <a:off x="7905995" y="7246152"/>
             <a:ext cx="1483148" cy="2424721"/>
           </a:xfrm>
           <a:prstGeom prst="rect">
@@ -5947,13 +6522,13 @@
           <p:nvPr>
             <p:extLst>
               <p:ext uri="{D42A27DB-BD31-4B8C-83A1-F6EECF244321}">
-                <p14:modId xmlns:p14="http://schemas.microsoft.com/office/powerpoint/2010/main" val="1399593568"/>
+                <p14:modId xmlns:p14="http://schemas.microsoft.com/office/powerpoint/2010/main" val="176171719"/>
               </p:ext>
             </p:extLst>
           </p:nvPr>
         </p:nvGraphicFramePr>
         <p:xfrm>
-          <a:off x="10724729" y="4587329"/>
+          <a:off x="9925295" y="3620772"/>
           <a:ext cx="1483148" cy="6050100"/>
         </p:xfrm>
         <a:graphic>
@@ -7030,7 +7605,7 @@
         </p:nvSpPr>
         <p:spPr>
           <a:xfrm>
-            <a:off x="10724729" y="8212707"/>
+            <a:off x="9925295" y="7246151"/>
             <a:ext cx="1483148" cy="2424721"/>
           </a:xfrm>
           <a:prstGeom prst="rect">
@@ -7113,7 +7688,7 @@
         </p:nvSpPr>
         <p:spPr>
           <a:xfrm>
-            <a:off x="10724729" y="5793357"/>
+            <a:off x="9925295" y="4826800"/>
             <a:ext cx="1483148" cy="2419348"/>
           </a:xfrm>
           <a:prstGeom prst="rect">
@@ -7173,11 +7748,10 @@
               <a:t>(value = </a:t>
             </a:r>
             <a:r>
-              <a:rPr lang="en-US" altLang="ko-KR" sz="1600" b="0" i="0" dirty="0">
+              <a:rPr lang="en-US" altLang="ko-KR" sz="1600" dirty="0">
                 <a:solidFill>
                   <a:srgbClr val="171717"/>
                 </a:solidFill>
-                <a:effectLst/>
                 <a:latin typeface="나눔고딕" panose="020D0604000000000000" pitchFamily="50" charset="-127"/>
                 <a:ea typeface="나눔고딕" panose="020D0604000000000000" pitchFamily="50" charset="-127"/>
               </a:rPr>
@@ -7217,7 +7791,7 @@
         </p:nvSpPr>
         <p:spPr>
           <a:xfrm>
-            <a:off x="6680381" y="4183432"/>
+            <a:off x="5880947" y="3216875"/>
             <a:ext cx="652510" cy="400327"/>
           </a:xfrm>
           <a:prstGeom prst="rect">
@@ -7279,7 +7853,7 @@
         </p:nvSpPr>
         <p:spPr>
           <a:xfrm>
-            <a:off x="8699681" y="4183434"/>
+            <a:off x="7900247" y="3216877"/>
             <a:ext cx="652510" cy="400327"/>
           </a:xfrm>
           <a:prstGeom prst="rect">
@@ -7341,7 +7915,7 @@
         </p:nvSpPr>
         <p:spPr>
           <a:xfrm>
-            <a:off x="10718981" y="4183433"/>
+            <a:off x="9919547" y="3216876"/>
             <a:ext cx="652510" cy="400327"/>
           </a:xfrm>
           <a:prstGeom prst="rect">
@@ -7403,7 +7977,7 @@
         </p:nvSpPr>
         <p:spPr>
           <a:xfrm>
-            <a:off x="9391302" y="7280070"/>
+            <a:off x="8591869" y="6313513"/>
             <a:ext cx="797275" cy="1154220"/>
           </a:xfrm>
           <a:prstGeom prst="downArrow">
@@ -7507,7 +8081,7 @@
         </p:nvSpPr>
         <p:spPr>
           <a:xfrm>
-            <a:off x="11409093" y="4865272"/>
+            <a:off x="10609660" y="3898715"/>
             <a:ext cx="797275" cy="1154220"/>
           </a:xfrm>
           <a:prstGeom prst="downArrow">
@@ -7612,13 +8186,13 @@
           <p:nvPr>
             <p:extLst>
               <p:ext uri="{D42A27DB-BD31-4B8C-83A1-F6EECF244321}">
-                <p14:modId xmlns:p14="http://schemas.microsoft.com/office/powerpoint/2010/main" val="4170568320"/>
+                <p14:modId xmlns:p14="http://schemas.microsoft.com/office/powerpoint/2010/main" val="1816991156"/>
               </p:ext>
             </p:extLst>
           </p:nvPr>
         </p:nvGraphicFramePr>
         <p:xfrm>
-          <a:off x="14763329" y="4587326"/>
+          <a:off x="13963895" y="3620769"/>
           <a:ext cx="1483148" cy="6050100"/>
         </p:xfrm>
         <a:graphic>
@@ -8695,7 +9269,7 @@
         </p:nvSpPr>
         <p:spPr>
           <a:xfrm>
-            <a:off x="14763329" y="8212704"/>
+            <a:off x="13963895" y="7246148"/>
             <a:ext cx="1483148" cy="2424721"/>
           </a:xfrm>
           <a:prstGeom prst="rect">
@@ -8778,7 +9352,7 @@
         </p:nvSpPr>
         <p:spPr>
           <a:xfrm>
-            <a:off x="14763329" y="5793354"/>
+            <a:off x="13963895" y="4826797"/>
             <a:ext cx="1483148" cy="2419348"/>
           </a:xfrm>
           <a:prstGeom prst="rect">
@@ -8838,11 +9412,10 @@
               <a:t>(value = </a:t>
             </a:r>
             <a:r>
-              <a:rPr lang="en-US" altLang="ko-KR" sz="1600" b="0" i="0" dirty="0">
+              <a:rPr lang="en-US" altLang="ko-KR" sz="1600" dirty="0">
                 <a:solidFill>
                   <a:srgbClr val="171717"/>
                 </a:solidFill>
-                <a:effectLst/>
                 <a:latin typeface="나눔고딕" panose="020D0604000000000000" pitchFamily="50" charset="-127"/>
                 <a:ea typeface="나눔고딕" panose="020D0604000000000000" pitchFamily="50" charset="-127"/>
               </a:rPr>
@@ -8882,7 +9455,7 @@
         </p:nvSpPr>
         <p:spPr>
           <a:xfrm>
-            <a:off x="14757581" y="4183430"/>
+            <a:off x="13958147" y="3216873"/>
             <a:ext cx="652510" cy="400327"/>
           </a:xfrm>
           <a:prstGeom prst="rect">
@@ -8944,7 +9517,7 @@
         </p:nvSpPr>
         <p:spPr>
           <a:xfrm>
-            <a:off x="14763329" y="1662990"/>
+            <a:off x="13963895" y="696433"/>
             <a:ext cx="1483148" cy="2419348"/>
           </a:xfrm>
           <a:prstGeom prst="rect">
@@ -9004,11 +9577,10 @@
               <a:t>(value = </a:t>
             </a:r>
             <a:r>
-              <a:rPr lang="en-US" altLang="ko-KR" sz="1600" b="0" i="0" dirty="0">
+              <a:rPr lang="en-US" altLang="ko-KR" sz="1600" dirty="0">
                 <a:solidFill>
                   <a:srgbClr val="171717"/>
                 </a:solidFill>
-                <a:effectLst/>
                 <a:latin typeface="나눔고딕" panose="020D0604000000000000" pitchFamily="50" charset="-127"/>
                 <a:ea typeface="나눔고딕" panose="020D0604000000000000" pitchFamily="50" charset="-127"/>
               </a:rPr>
@@ -9048,7 +9620,7 @@
         </p:nvSpPr>
         <p:spPr>
           <a:xfrm>
-            <a:off x="14777843" y="3276249"/>
+            <a:off x="13978409" y="2309692"/>
             <a:ext cx="1468634" cy="1097819"/>
           </a:xfrm>
           <a:prstGeom prst="irregularSeal2">
@@ -9100,7 +9672,7 @@
         </p:nvSpPr>
         <p:spPr>
           <a:xfrm>
-            <a:off x="14858275" y="3721340"/>
+            <a:off x="14058841" y="2754783"/>
             <a:ext cx="1231570" cy="276999"/>
           </a:xfrm>
           <a:prstGeom prst="rect">
@@ -9141,13 +9713,13 @@
           <p:nvPr>
             <p:extLst>
               <p:ext uri="{D42A27DB-BD31-4B8C-83A1-F6EECF244321}">
-                <p14:modId xmlns:p14="http://schemas.microsoft.com/office/powerpoint/2010/main" val="1399593568"/>
+                <p14:modId xmlns:p14="http://schemas.microsoft.com/office/powerpoint/2010/main" val="1281944801"/>
               </p:ext>
             </p:extLst>
           </p:nvPr>
         </p:nvGraphicFramePr>
         <p:xfrm>
-          <a:off x="12744029" y="4587327"/>
+          <a:off x="11944595" y="3620770"/>
           <a:ext cx="1483148" cy="6050100"/>
         </p:xfrm>
         <a:graphic>
@@ -10224,7 +10796,7 @@
         </p:nvSpPr>
         <p:spPr>
           <a:xfrm>
-            <a:off x="12744029" y="8212702"/>
+            <a:off x="11944595" y="7246146"/>
             <a:ext cx="1483148" cy="2424721"/>
           </a:xfrm>
           <a:prstGeom prst="rect">
@@ -10307,7 +10879,7 @@
         </p:nvSpPr>
         <p:spPr>
           <a:xfrm>
-            <a:off x="12736772" y="4595285"/>
+            <a:off x="11937338" y="3628728"/>
             <a:ext cx="1483148" cy="2419348"/>
           </a:xfrm>
           <a:prstGeom prst="rect">
@@ -10367,11 +10939,10 @@
               <a:t>(value = </a:t>
             </a:r>
             <a:r>
-              <a:rPr lang="en-US" altLang="ko-KR" sz="1600" b="0" i="0" dirty="0">
+              <a:rPr lang="en-US" altLang="ko-KR" sz="1600" dirty="0">
                 <a:solidFill>
                   <a:srgbClr val="171717"/>
                 </a:solidFill>
-                <a:effectLst/>
                 <a:latin typeface="나눔고딕" panose="020D0604000000000000" pitchFamily="50" charset="-127"/>
                 <a:ea typeface="나눔고딕" panose="020D0604000000000000" pitchFamily="50" charset="-127"/>
               </a:rPr>
@@ -10411,7 +10982,7 @@
         </p:nvSpPr>
         <p:spPr>
           <a:xfrm>
-            <a:off x="12738281" y="4183431"/>
+            <a:off x="11938847" y="3216874"/>
             <a:ext cx="652510" cy="400327"/>
           </a:xfrm>
           <a:prstGeom prst="rect">
@@ -10473,7 +11044,7 @@
         </p:nvSpPr>
         <p:spPr>
           <a:xfrm>
-            <a:off x="13372451" y="3852777"/>
+            <a:off x="12573018" y="2886220"/>
             <a:ext cx="843775" cy="1154219"/>
           </a:xfrm>
           <a:prstGeom prst="upArrow">
@@ -10506,119 +11077,63 @@
           <a:bodyPr rtlCol="0" anchor="ctr"/>
           <a:lstStyle/>
           <a:p>
-            <a:pPr marL="0" marR="0" lvl="0" indent="0" algn="ctr" defTabSz="457200" rtl="0" eaLnBrk="1" fontAlgn="auto" latinLnBrk="0" hangingPunct="1">
-              <a:lnSpc>
-                <a:spcPct val="100000"/>
-              </a:lnSpc>
-              <a:spcBef>
-                <a:spcPts val="0"/>
-              </a:spcBef>
-              <a:spcAft>
-                <a:spcPts val="0"/>
-              </a:spcAft>
-              <a:buClrTx/>
-              <a:buSzTx/>
-              <a:buFontTx/>
-              <a:buNone/>
-              <a:tabLst/>
+            <a:pPr algn="ctr" defTabSz="457200">
               <a:defRPr/>
             </a:pPr>
             <a:r>
-              <a:rPr kumimoji="0" lang="en-US" altLang="ko-KR" sz="1200" b="0" i="0" u="none" strike="noStrike" kern="1200" cap="none" spc="0" normalizeH="0" baseline="0" noProof="0" dirty="0">
-                <a:ln>
-                  <a:noFill/>
-                </a:ln>
+              <a:rPr lang="en-US" altLang="ko-KR" sz="1200" dirty="0">
                 <a:solidFill>
                   <a:prstClr val="white"/>
                 </a:solidFill>
-                <a:effectLst/>
-                <a:uLnTx/>
-                <a:uFillTx/>
                 <a:latin typeface="나눔고딕" panose="020D0604000000000000" pitchFamily="50" charset="-127"/>
                 <a:ea typeface="나눔고딕" panose="020D0604000000000000" pitchFamily="50" charset="-127"/>
-                <a:cs typeface="+mn-cs"/>
               </a:rPr>
               <a:t>P</a:t>
             </a:r>
             <a:br>
-              <a:rPr kumimoji="0" lang="en-US" altLang="ko-KR" sz="1200" b="0" i="0" u="none" strike="noStrike" kern="1200" cap="none" spc="0" normalizeH="0" baseline="0" noProof="0" dirty="0">
-                <a:ln>
-                  <a:noFill/>
-                </a:ln>
+              <a:rPr lang="en-US" altLang="ko-KR" sz="1200" dirty="0">
                 <a:solidFill>
                   <a:prstClr val="white"/>
                 </a:solidFill>
-                <a:effectLst/>
-                <a:uLnTx/>
-                <a:uFillTx/>
                 <a:latin typeface="나눔고딕" panose="020D0604000000000000" pitchFamily="50" charset="-127"/>
                 <a:ea typeface="나눔고딕" panose="020D0604000000000000" pitchFamily="50" charset="-127"/>
-                <a:cs typeface="+mn-cs"/>
               </a:rPr>
             </a:br>
             <a:r>
-              <a:rPr kumimoji="0" lang="en-US" altLang="ko-KR" sz="1200" b="0" i="0" u="none" strike="noStrike" kern="1200" cap="none" spc="0" normalizeH="0" baseline="0" noProof="0" dirty="0">
-                <a:ln>
-                  <a:noFill/>
-                </a:ln>
+              <a:rPr lang="en-US" altLang="ko-KR" sz="1200" dirty="0">
                 <a:solidFill>
                   <a:prstClr val="white"/>
                 </a:solidFill>
-                <a:effectLst/>
-                <a:uLnTx/>
-                <a:uFillTx/>
                 <a:latin typeface="나눔고딕" panose="020D0604000000000000" pitchFamily="50" charset="-127"/>
                 <a:ea typeface="나눔고딕" panose="020D0604000000000000" pitchFamily="50" charset="-127"/>
-                <a:cs typeface="+mn-cs"/>
               </a:rPr>
               <a:t>O</a:t>
             </a:r>
             <a:br>
-              <a:rPr kumimoji="0" lang="en-US" altLang="ko-KR" sz="1200" b="0" i="0" u="none" strike="noStrike" kern="1200" cap="none" spc="0" normalizeH="0" baseline="0" noProof="0" dirty="0">
-                <a:ln>
-                  <a:noFill/>
-                </a:ln>
+              <a:rPr lang="en-US" altLang="ko-KR" sz="1200" dirty="0">
                 <a:solidFill>
                   <a:prstClr val="white"/>
                 </a:solidFill>
-                <a:effectLst/>
-                <a:uLnTx/>
-                <a:uFillTx/>
                 <a:latin typeface="나눔고딕" panose="020D0604000000000000" pitchFamily="50" charset="-127"/>
                 <a:ea typeface="나눔고딕" panose="020D0604000000000000" pitchFamily="50" charset="-127"/>
-                <a:cs typeface="+mn-cs"/>
               </a:rPr>
             </a:br>
             <a:r>
-              <a:rPr kumimoji="0" lang="en-US" altLang="ko-KR" sz="1200" b="0" i="0" u="none" strike="noStrike" kern="1200" cap="none" spc="0" normalizeH="0" baseline="0" noProof="0" dirty="0">
-                <a:ln>
-                  <a:noFill/>
-                </a:ln>
+              <a:rPr lang="en-US" altLang="ko-KR" sz="1200" dirty="0">
                 <a:solidFill>
                   <a:prstClr val="white"/>
                 </a:solidFill>
-                <a:effectLst/>
-                <a:uLnTx/>
-                <a:uFillTx/>
                 <a:latin typeface="나눔고딕" panose="020D0604000000000000" pitchFamily="50" charset="-127"/>
                 <a:ea typeface="나눔고딕" panose="020D0604000000000000" pitchFamily="50" charset="-127"/>
-                <a:cs typeface="+mn-cs"/>
               </a:rPr>
               <a:t>P</a:t>
             </a:r>
-            <a:endParaRPr kumimoji="0" lang="ko-KR" altLang="en-US" sz="1200" b="0" i="0" u="none" strike="noStrike" kern="1200" cap="none" spc="0" normalizeH="0" baseline="0" noProof="0" dirty="0">
-              <a:ln>
-                <a:noFill/>
-              </a:ln>
+            <a:endParaRPr lang="ko-KR" altLang="en-US" sz="1200" dirty="0">
               <a:solidFill>
                 <a:prstClr val="white"/>
               </a:solidFill>
-              <a:effectLst/>
-              <a:uLnTx/>
-              <a:uFillTx/>
               <a:latin typeface="나눔고딕" panose="020D0604000000000000" pitchFamily="50" charset="-127"/>
               <a:ea typeface="나눔고딕" panose="020D0604000000000000" pitchFamily="50" charset="-127"/>
-              <a:cs typeface="+mn-cs"/>
             </a:endParaRPr>
           </a:p>
         </p:txBody>
@@ -10895,4 +11410,299 @@
     </a:ext>
   </a:extLst>
 </a:theme>
+</file>
+
+<file path=ppt/theme/theme2.xml><?xml version="1.0" encoding="utf-8"?>
+<a:theme xmlns:a="http://schemas.openxmlformats.org/drawingml/2006/main" name="Office 테마">
+  <a:themeElements>
+    <a:clrScheme name="Office">
+      <a:dk1>
+        <a:sysClr val="windowText" lastClr="000000"/>
+      </a:dk1>
+      <a:lt1>
+        <a:sysClr val="window" lastClr="FFFFFF"/>
+      </a:lt1>
+      <a:dk2>
+        <a:srgbClr val="44546A"/>
+      </a:dk2>
+      <a:lt2>
+        <a:srgbClr val="E7E6E6"/>
+      </a:lt2>
+      <a:accent1>
+        <a:srgbClr val="4472C4"/>
+      </a:accent1>
+      <a:accent2>
+        <a:srgbClr val="ED7D31"/>
+      </a:accent2>
+      <a:accent3>
+        <a:srgbClr val="A5A5A5"/>
+      </a:accent3>
+      <a:accent4>
+        <a:srgbClr val="FFC000"/>
+      </a:accent4>
+      <a:accent5>
+        <a:srgbClr val="5B9BD5"/>
+      </a:accent5>
+      <a:accent6>
+        <a:srgbClr val="70AD47"/>
+      </a:accent6>
+      <a:hlink>
+        <a:srgbClr val="0563C1"/>
+      </a:hlink>
+      <a:folHlink>
+        <a:srgbClr val="954F72"/>
+      </a:folHlink>
+    </a:clrScheme>
+    <a:fontScheme name="Office">
+      <a:majorFont>
+        <a:latin typeface="맑은 고딕" panose="020F0302020204030204"/>
+        <a:ea typeface=""/>
+        <a:cs typeface=""/>
+        <a:font script="Jpan" typeface="游ゴシック Light"/>
+        <a:font script="Hang" typeface="맑은 고딕"/>
+        <a:font script="Hans" typeface="等线 Light"/>
+        <a:font script="Hant" typeface="新細明體"/>
+        <a:font script="Arab" typeface="Times New Roman"/>
+        <a:font script="Hebr" typeface="Times New Roman"/>
+        <a:font script="Thai" typeface="Angsana New"/>
+        <a:font script="Ethi" typeface="Nyala"/>
+        <a:font script="Beng" typeface="Vrinda"/>
+        <a:font script="Gujr" typeface="Shruti"/>
+        <a:font script="Khmr" typeface="MoolBoran"/>
+        <a:font script="Knda" typeface="Tunga"/>
+        <a:font script="Guru" typeface="Raavi"/>
+        <a:font script="Cans" typeface="Euphemia"/>
+        <a:font script="Cher" typeface="Plantagenet Cherokee"/>
+        <a:font script="Yiii" typeface="Microsoft Yi Baiti"/>
+        <a:font script="Tibt" typeface="Microsoft Himalaya"/>
+        <a:font script="Thaa" typeface="MV Boli"/>
+        <a:font script="Deva" typeface="Mangal"/>
+        <a:font script="Telu" typeface="Gautami"/>
+        <a:font script="Taml" typeface="Latha"/>
+        <a:font script="Syrc" typeface="Estrangelo Edessa"/>
+        <a:font script="Orya" typeface="Kalinga"/>
+        <a:font script="Mlym" typeface="Kartika"/>
+        <a:font script="Laoo" typeface="DokChampa"/>
+        <a:font script="Sinh" typeface="Iskoola Pota"/>
+        <a:font script="Mong" typeface="Mongolian Baiti"/>
+        <a:font script="Viet" typeface="Times New Roman"/>
+        <a:font script="Uigh" typeface="Microsoft Uighur"/>
+        <a:font script="Geor" typeface="Sylfaen"/>
+        <a:font script="Armn" typeface="Arial"/>
+        <a:font script="Bugi" typeface="Leelawadee UI"/>
+        <a:font script="Bopo" typeface="Microsoft JhengHei"/>
+        <a:font script="Java" typeface="Javanese Text"/>
+        <a:font script="Lisu" typeface="Segoe UI"/>
+        <a:font script="Mymr" typeface="Myanmar Text"/>
+        <a:font script="Nkoo" typeface="Ebrima"/>
+        <a:font script="Olck" typeface="Nirmala UI"/>
+        <a:font script="Osma" typeface="Ebrima"/>
+        <a:font script="Phag" typeface="Phagspa"/>
+        <a:font script="Syrn" typeface="Estrangelo Edessa"/>
+        <a:font script="Syrj" typeface="Estrangelo Edessa"/>
+        <a:font script="Syre" typeface="Estrangelo Edessa"/>
+        <a:font script="Sora" typeface="Nirmala UI"/>
+        <a:font script="Tale" typeface="Microsoft Tai Le"/>
+        <a:font script="Talu" typeface="Microsoft New Tai Lue"/>
+        <a:font script="Tfng" typeface="Ebrima"/>
+      </a:majorFont>
+      <a:minorFont>
+        <a:latin typeface="맑은 고딕" panose="020F0502020204030204"/>
+        <a:ea typeface=""/>
+        <a:cs typeface=""/>
+        <a:font script="Jpan" typeface="游ゴシック"/>
+        <a:font script="Hang" typeface="맑은 고딕"/>
+        <a:font script="Hans" typeface="等线"/>
+        <a:font script="Hant" typeface="新細明體"/>
+        <a:font script="Arab" typeface="Arial"/>
+        <a:font script="Hebr" typeface="Arial"/>
+        <a:font script="Thai" typeface="Cordia New"/>
+        <a:font script="Ethi" typeface="Nyala"/>
+        <a:font script="Beng" typeface="Vrinda"/>
+        <a:font script="Gujr" typeface="Shruti"/>
+        <a:font script="Khmr" typeface="DaunPenh"/>
+        <a:font script="Knda" typeface="Tunga"/>
+        <a:font script="Guru" typeface="Raavi"/>
+        <a:font script="Cans" typeface="Euphemia"/>
+        <a:font script="Cher" typeface="Plantagenet Cherokee"/>
+        <a:font script="Yiii" typeface="Microsoft Yi Baiti"/>
+        <a:font script="Tibt" typeface="Microsoft Himalaya"/>
+        <a:font script="Thaa" typeface="MV Boli"/>
+        <a:font script="Deva" typeface="Mangal"/>
+        <a:font script="Telu" typeface="Gautami"/>
+        <a:font script="Taml" typeface="Latha"/>
+        <a:font script="Syrc" typeface="Estrangelo Edessa"/>
+        <a:font script="Orya" typeface="Kalinga"/>
+        <a:font script="Mlym" typeface="Kartika"/>
+        <a:font script="Laoo" typeface="DokChampa"/>
+        <a:font script="Sinh" typeface="Iskoola Pota"/>
+        <a:font script="Mong" typeface="Mongolian Baiti"/>
+        <a:font script="Viet" typeface="Arial"/>
+        <a:font script="Uigh" typeface="Microsoft Uighur"/>
+        <a:font script="Geor" typeface="Sylfaen"/>
+        <a:font script="Armn" typeface="Arial"/>
+        <a:font script="Bugi" typeface="Leelawadee UI"/>
+        <a:font script="Bopo" typeface="Microsoft JhengHei"/>
+        <a:font script="Java" typeface="Javanese Text"/>
+        <a:font script="Lisu" typeface="Segoe UI"/>
+        <a:font script="Mymr" typeface="Myanmar Text"/>
+        <a:font script="Nkoo" typeface="Ebrima"/>
+        <a:font script="Olck" typeface="Nirmala UI"/>
+        <a:font script="Osma" typeface="Ebrima"/>
+        <a:font script="Phag" typeface="Phagspa"/>
+        <a:font script="Syrn" typeface="Estrangelo Edessa"/>
+        <a:font script="Syrj" typeface="Estrangelo Edessa"/>
+        <a:font script="Syre" typeface="Estrangelo Edessa"/>
+        <a:font script="Sora" typeface="Nirmala UI"/>
+        <a:font script="Tale" typeface="Microsoft Tai Le"/>
+        <a:font script="Talu" typeface="Microsoft New Tai Lue"/>
+        <a:font script="Tfng" typeface="Ebrima"/>
+      </a:minorFont>
+    </a:fontScheme>
+    <a:fmtScheme name="Office">
+      <a:fillStyleLst>
+        <a:solidFill>
+          <a:schemeClr val="phClr"/>
+        </a:solidFill>
+        <a:gradFill rotWithShape="1">
+          <a:gsLst>
+            <a:gs pos="0">
+              <a:schemeClr val="phClr">
+                <a:lumMod val="110000"/>
+                <a:satMod val="105000"/>
+                <a:tint val="67000"/>
+              </a:schemeClr>
+            </a:gs>
+            <a:gs pos="50000">
+              <a:schemeClr val="phClr">
+                <a:lumMod val="105000"/>
+                <a:satMod val="103000"/>
+                <a:tint val="73000"/>
+              </a:schemeClr>
+            </a:gs>
+            <a:gs pos="100000">
+              <a:schemeClr val="phClr">
+                <a:lumMod val="105000"/>
+                <a:satMod val="109000"/>
+                <a:tint val="81000"/>
+              </a:schemeClr>
+            </a:gs>
+          </a:gsLst>
+          <a:lin ang="5400000" scaled="0"/>
+        </a:gradFill>
+        <a:gradFill rotWithShape="1">
+          <a:gsLst>
+            <a:gs pos="0">
+              <a:schemeClr val="phClr">
+                <a:satMod val="103000"/>
+                <a:lumMod val="102000"/>
+                <a:tint val="94000"/>
+              </a:schemeClr>
+            </a:gs>
+            <a:gs pos="50000">
+              <a:schemeClr val="phClr">
+                <a:satMod val="110000"/>
+                <a:lumMod val="100000"/>
+                <a:shade val="100000"/>
+              </a:schemeClr>
+            </a:gs>
+            <a:gs pos="100000">
+              <a:schemeClr val="phClr">
+                <a:lumMod val="99000"/>
+                <a:satMod val="120000"/>
+                <a:shade val="78000"/>
+              </a:schemeClr>
+            </a:gs>
+          </a:gsLst>
+          <a:lin ang="5400000" scaled="0"/>
+        </a:gradFill>
+      </a:fillStyleLst>
+      <a:lnStyleLst>
+        <a:ln w="6350" cap="flat" cmpd="sng" algn="ctr">
+          <a:solidFill>
+            <a:schemeClr val="phClr"/>
+          </a:solidFill>
+          <a:prstDash val="solid"/>
+          <a:miter lim="800000"/>
+        </a:ln>
+        <a:ln w="12700" cap="flat" cmpd="sng" algn="ctr">
+          <a:solidFill>
+            <a:schemeClr val="phClr"/>
+          </a:solidFill>
+          <a:prstDash val="solid"/>
+          <a:miter lim="800000"/>
+        </a:ln>
+        <a:ln w="19050" cap="flat" cmpd="sng" algn="ctr">
+          <a:solidFill>
+            <a:schemeClr val="phClr"/>
+          </a:solidFill>
+          <a:prstDash val="solid"/>
+          <a:miter lim="800000"/>
+        </a:ln>
+      </a:lnStyleLst>
+      <a:effectStyleLst>
+        <a:effectStyle>
+          <a:effectLst/>
+        </a:effectStyle>
+        <a:effectStyle>
+          <a:effectLst/>
+        </a:effectStyle>
+        <a:effectStyle>
+          <a:effectLst>
+            <a:outerShdw blurRad="57150" dist="19050" dir="5400000" algn="ctr" rotWithShape="0">
+              <a:srgbClr val="000000">
+                <a:alpha val="63000"/>
+              </a:srgbClr>
+            </a:outerShdw>
+          </a:effectLst>
+        </a:effectStyle>
+      </a:effectStyleLst>
+      <a:bgFillStyleLst>
+        <a:solidFill>
+          <a:schemeClr val="phClr"/>
+        </a:solidFill>
+        <a:solidFill>
+          <a:schemeClr val="phClr">
+            <a:tint val="95000"/>
+            <a:satMod val="170000"/>
+          </a:schemeClr>
+        </a:solidFill>
+        <a:gradFill rotWithShape="1">
+          <a:gsLst>
+            <a:gs pos="0">
+              <a:schemeClr val="phClr">
+                <a:tint val="93000"/>
+                <a:satMod val="150000"/>
+                <a:shade val="98000"/>
+                <a:lumMod val="102000"/>
+              </a:schemeClr>
+            </a:gs>
+            <a:gs pos="50000">
+              <a:schemeClr val="phClr">
+                <a:tint val="98000"/>
+                <a:satMod val="130000"/>
+                <a:shade val="90000"/>
+                <a:lumMod val="103000"/>
+              </a:schemeClr>
+            </a:gs>
+            <a:gs pos="100000">
+              <a:schemeClr val="phClr">
+                <a:shade val="63000"/>
+                <a:satMod val="120000"/>
+              </a:schemeClr>
+            </a:gs>
+          </a:gsLst>
+          <a:lin ang="5400000" scaled="0"/>
+        </a:gradFill>
+      </a:bgFillStyleLst>
+    </a:fmtScheme>
+  </a:themeElements>
+  <a:objectDefaults/>
+  <a:extraClrSchemeLst/>
+  <a:extLst>
+    <a:ext uri="{05A4C25C-085E-4340-85A3-A5531E510DB2}">
+      <thm15:themeFamily xmlns:thm15="http://schemas.microsoft.com/office/thememl/2012/main" name="Office Theme" id="{62F939B6-93AF-4DB8-9C6B-D6C7DFDC589F}" vid="{4A3C46E8-61CC-4603-A589-7422A47A8E4A}"/>
+    </a:ext>
+  </a:extLst>
+</a:theme>
 </file>
--- a/assets/pptx/diagrams.pptx
+++ b/assets/pptx/diagrams.pptx
@@ -112,6 +112,9 @@
     <p:ext uri="{EFAFB233-063F-42B5-8137-9DF3F51BA10A}">
       <p15:sldGuideLst xmlns:p15="http://schemas.microsoft.com/office/powerpoint/2012/main"/>
     </p:ext>
+    <p:ext uri="{2D200454-40CA-4A62-9FC3-DE9A4176ACB9}">
+      <p15:notesGuideLst xmlns:p15="http://schemas.microsoft.com/office/powerpoint/2012/main"/>
+    </p:ext>
   </p:extLst>
 </p:presentation>
 </file>
@@ -198,7 +201,7 @@
           <a:p>
             <a:fld id="{505DB204-9860-4269-88A9-B5437288D281}" type="datetimeFigureOut">
               <a:rPr lang="ko-KR" altLang="en-US" smtClean="0"/>
-              <a:t>2021-02-24</a:t>
+              <a:t>2021-02-27</a:t>
             </a:fld>
             <a:endParaRPr lang="ko-KR" altLang="en-US"/>
           </a:p>
@@ -596,7 +599,7 @@
           <a:p>
             <a:fld id="{C83CEA97-2613-47C8-A44B-BC8CE03E7D4E}" type="datetimeFigureOut">
               <a:rPr lang="ko-KR" altLang="en-US" smtClean="0"/>
-              <a:t>2021-02-24</a:t>
+              <a:t>2021-02-27</a:t>
             </a:fld>
             <a:endParaRPr lang="ko-KR" altLang="en-US"/>
           </a:p>
@@ -766,7 +769,7 @@
           <a:p>
             <a:fld id="{C83CEA97-2613-47C8-A44B-BC8CE03E7D4E}" type="datetimeFigureOut">
               <a:rPr lang="ko-KR" altLang="en-US" smtClean="0"/>
-              <a:t>2021-02-24</a:t>
+              <a:t>2021-02-27</a:t>
             </a:fld>
             <a:endParaRPr lang="ko-KR" altLang="en-US"/>
           </a:p>
@@ -946,7 +949,7 @@
           <a:p>
             <a:fld id="{C83CEA97-2613-47C8-A44B-BC8CE03E7D4E}" type="datetimeFigureOut">
               <a:rPr lang="ko-KR" altLang="en-US" smtClean="0"/>
-              <a:t>2021-02-24</a:t>
+              <a:t>2021-02-27</a:t>
             </a:fld>
             <a:endParaRPr lang="ko-KR" altLang="en-US"/>
           </a:p>
@@ -1116,7 +1119,7 @@
           <a:p>
             <a:fld id="{C83CEA97-2613-47C8-A44B-BC8CE03E7D4E}" type="datetimeFigureOut">
               <a:rPr lang="ko-KR" altLang="en-US" smtClean="0"/>
-              <a:t>2021-02-24</a:t>
+              <a:t>2021-02-27</a:t>
             </a:fld>
             <a:endParaRPr lang="ko-KR" altLang="en-US"/>
           </a:p>
@@ -1362,7 +1365,7 @@
           <a:p>
             <a:fld id="{C83CEA97-2613-47C8-A44B-BC8CE03E7D4E}" type="datetimeFigureOut">
               <a:rPr lang="ko-KR" altLang="en-US" smtClean="0"/>
-              <a:t>2021-02-24</a:t>
+              <a:t>2021-02-27</a:t>
             </a:fld>
             <a:endParaRPr lang="ko-KR" altLang="en-US"/>
           </a:p>
@@ -1594,7 +1597,7 @@
           <a:p>
             <a:fld id="{C83CEA97-2613-47C8-A44B-BC8CE03E7D4E}" type="datetimeFigureOut">
               <a:rPr lang="ko-KR" altLang="en-US" smtClean="0"/>
-              <a:t>2021-02-24</a:t>
+              <a:t>2021-02-27</a:t>
             </a:fld>
             <a:endParaRPr lang="ko-KR" altLang="en-US"/>
           </a:p>
@@ -1961,7 +1964,7 @@
           <a:p>
             <a:fld id="{C83CEA97-2613-47C8-A44B-BC8CE03E7D4E}" type="datetimeFigureOut">
               <a:rPr lang="ko-KR" altLang="en-US" smtClean="0"/>
-              <a:t>2021-02-24</a:t>
+              <a:t>2021-02-27</a:t>
             </a:fld>
             <a:endParaRPr lang="ko-KR" altLang="en-US"/>
           </a:p>
@@ -2079,7 +2082,7 @@
           <a:p>
             <a:fld id="{C83CEA97-2613-47C8-A44B-BC8CE03E7D4E}" type="datetimeFigureOut">
               <a:rPr lang="ko-KR" altLang="en-US" smtClean="0"/>
-              <a:t>2021-02-24</a:t>
+              <a:t>2021-02-27</a:t>
             </a:fld>
             <a:endParaRPr lang="ko-KR" altLang="en-US"/>
           </a:p>
@@ -2174,7 +2177,7 @@
           <a:p>
             <a:fld id="{C83CEA97-2613-47C8-A44B-BC8CE03E7D4E}" type="datetimeFigureOut">
               <a:rPr lang="ko-KR" altLang="en-US" smtClean="0"/>
-              <a:t>2021-02-24</a:t>
+              <a:t>2021-02-27</a:t>
             </a:fld>
             <a:endParaRPr lang="ko-KR" altLang="en-US"/>
           </a:p>
@@ -2451,7 +2454,7 @@
           <a:p>
             <a:fld id="{C83CEA97-2613-47C8-A44B-BC8CE03E7D4E}" type="datetimeFigureOut">
               <a:rPr lang="ko-KR" altLang="en-US" smtClean="0"/>
-              <a:t>2021-02-24</a:t>
+              <a:t>2021-02-27</a:t>
             </a:fld>
             <a:endParaRPr lang="ko-KR" altLang="en-US"/>
           </a:p>
@@ -2708,7 +2711,7 @@
           <a:p>
             <a:fld id="{C83CEA97-2613-47C8-A44B-BC8CE03E7D4E}" type="datetimeFigureOut">
               <a:rPr lang="ko-KR" altLang="en-US" smtClean="0"/>
-              <a:t>2021-02-24</a:t>
+              <a:t>2021-02-27</a:t>
             </a:fld>
             <a:endParaRPr lang="ko-KR" altLang="en-US"/>
           </a:p>
@@ -2921,7 +2924,7 @@
           <a:p>
             <a:fld id="{C83CEA97-2613-47C8-A44B-BC8CE03E7D4E}" type="datetimeFigureOut">
               <a:rPr lang="ko-KR" altLang="en-US" smtClean="0"/>
-              <a:t>2021-02-24</a:t>
+              <a:t>2021-02-27</a:t>
             </a:fld>
             <a:endParaRPr lang="ko-KR" altLang="en-US"/>
           </a:p>
@@ -3586,7 +3589,21 @@
                 <a:latin typeface="나눔고딕" panose="020D0604000000000000" pitchFamily="50" charset="-127"/>
                 <a:ea typeface="나눔고딕" panose="020D0604000000000000" pitchFamily="50" charset="-127"/>
               </a:rPr>
-              <a:t>If(money &gt;= 900)</a:t>
+              <a:t>If(money </a:t>
+            </a:r>
+            <a:r>
+              <a:rPr lang="en-US" altLang="ko-KR" sz="1400">
+                <a:latin typeface="나눔고딕" panose="020D0604000000000000" pitchFamily="50" charset="-127"/>
+                <a:ea typeface="나눔고딕" panose="020D0604000000000000" pitchFamily="50" charset="-127"/>
+              </a:rPr>
+              <a:t>&gt;= 1,000</a:t>
+            </a:r>
+            <a:r>
+              <a:rPr lang="en-US" altLang="ko-KR" sz="1400" dirty="0">
+                <a:latin typeface="나눔고딕" panose="020D0604000000000000" pitchFamily="50" charset="-127"/>
+                <a:ea typeface="나눔고딕" panose="020D0604000000000000" pitchFamily="50" charset="-127"/>
+              </a:rPr>
+              <a:t>)</a:t>
             </a:r>
             <a:endParaRPr lang="ko-KR" altLang="en-US" sz="1400" dirty="0">
               <a:latin typeface="나눔고딕" panose="020D0604000000000000" pitchFamily="50" charset="-127"/>

--- a/assets/pptx/diagrams.pptx
+++ b/assets/pptx/diagrams.pptx
@@ -10896,7 +10896,7 @@
         </p:nvSpPr>
         <p:spPr>
           <a:xfrm>
-            <a:off x="11937338" y="3628728"/>
+            <a:off x="11937338" y="4827600"/>
             <a:ext cx="1483148" cy="2419348"/>
           </a:xfrm>
           <a:prstGeom prst="rect">
@@ -11061,8 +11061,8 @@
         </p:nvSpPr>
         <p:spPr>
           <a:xfrm>
-            <a:off x="12573018" y="2886220"/>
-            <a:ext cx="843775" cy="1154219"/>
+            <a:off x="12614583" y="3898799"/>
+            <a:ext cx="799200" cy="1155600"/>
           </a:xfrm>
           <a:prstGeom prst="upArrow">
             <a:avLst/>

--- a/assets/pptx/diagrams.pptx
+++ b/assets/pptx/diagrams.pptx
@@ -3589,21 +3589,7 @@
                 <a:latin typeface="나눔고딕" panose="020D0604000000000000" pitchFamily="50" charset="-127"/>
                 <a:ea typeface="나눔고딕" panose="020D0604000000000000" pitchFamily="50" charset="-127"/>
               </a:rPr>
-              <a:t>If(money </a:t>
-            </a:r>
-            <a:r>
-              <a:rPr lang="en-US" altLang="ko-KR" sz="1400">
-                <a:latin typeface="나눔고딕" panose="020D0604000000000000" pitchFamily="50" charset="-127"/>
-                <a:ea typeface="나눔고딕" panose="020D0604000000000000" pitchFamily="50" charset="-127"/>
-              </a:rPr>
-              <a:t>&gt;= 1,000</a:t>
-            </a:r>
-            <a:r>
-              <a:rPr lang="en-US" altLang="ko-KR" sz="1400" dirty="0">
-                <a:latin typeface="나눔고딕" panose="020D0604000000000000" pitchFamily="50" charset="-127"/>
-                <a:ea typeface="나눔고딕" panose="020D0604000000000000" pitchFamily="50" charset="-127"/>
-              </a:rPr>
-              <a:t>)</a:t>
+              <a:t>If(money &gt;= 1000)</a:t>
             </a:r>
             <a:endParaRPr lang="ko-KR" altLang="en-US" sz="1400" dirty="0">
               <a:latin typeface="나눔고딕" panose="020D0604000000000000" pitchFamily="50" charset="-127"/>
